--- a/src/morea/materials/02-Intro-Java.pptx
+++ b/src/morea/materials/02-Intro-Java.pptx
@@ -5,7 +5,7 @@
     <p:sldMasterId id="2147483648" r:id="rId1"/>
   </p:sldMasterIdLst>
   <p:notesMasterIdLst>
-    <p:notesMasterId r:id="rId30"/>
+    <p:notesMasterId r:id="rId31"/>
   </p:notesMasterIdLst>
   <p:sldIdLst>
     <p:sldId id="256" r:id="rId2"/>
@@ -22,20 +22,21 @@
     <p:sldId id="347" r:id="rId13"/>
     <p:sldId id="346" r:id="rId14"/>
     <p:sldId id="340" r:id="rId15"/>
-    <p:sldId id="341" r:id="rId16"/>
-    <p:sldId id="342" r:id="rId17"/>
-    <p:sldId id="343" r:id="rId18"/>
-    <p:sldId id="344" r:id="rId19"/>
-    <p:sldId id="345" r:id="rId20"/>
-    <p:sldId id="355" r:id="rId21"/>
-    <p:sldId id="356" r:id="rId22"/>
-    <p:sldId id="348" r:id="rId23"/>
-    <p:sldId id="349" r:id="rId24"/>
-    <p:sldId id="350" r:id="rId25"/>
-    <p:sldId id="351" r:id="rId26"/>
-    <p:sldId id="352" r:id="rId27"/>
-    <p:sldId id="353" r:id="rId28"/>
-    <p:sldId id="354" r:id="rId29"/>
+    <p:sldId id="345" r:id="rId16"/>
+    <p:sldId id="341" r:id="rId17"/>
+    <p:sldId id="342" r:id="rId18"/>
+    <p:sldId id="343" r:id="rId19"/>
+    <p:sldId id="344" r:id="rId20"/>
+    <p:sldId id="357" r:id="rId21"/>
+    <p:sldId id="355" r:id="rId22"/>
+    <p:sldId id="356" r:id="rId23"/>
+    <p:sldId id="348" r:id="rId24"/>
+    <p:sldId id="349" r:id="rId25"/>
+    <p:sldId id="350" r:id="rId26"/>
+    <p:sldId id="351" r:id="rId27"/>
+    <p:sldId id="352" r:id="rId28"/>
+    <p:sldId id="353" r:id="rId29"/>
+    <p:sldId id="354" r:id="rId30"/>
   </p:sldIdLst>
   <p:sldSz cx="9144000" cy="6858000" type="screen4x3"/>
   <p:notesSz cx="6858000" cy="9144000"/>
@@ -928,6 +929,90 @@
       </p:grpSpPr>
       <p:sp>
         <p:nvSpPr>
+          <p:cNvPr id="2" name="Slide Image Placeholder 1"/>
+          <p:cNvSpPr>
+            <a:spLocks noGrp="1" noRot="1" noChangeAspect="1"/>
+          </p:cNvSpPr>
+          <p:nvPr>
+            <p:ph type="sldImg"/>
+          </p:nvPr>
+        </p:nvSpPr>
+        <p:spPr/>
+      </p:sp>
+      <p:sp>
+        <p:nvSpPr>
+          <p:cNvPr id="3" name="Notes Placeholder 2"/>
+          <p:cNvSpPr>
+            <a:spLocks noGrp="1"/>
+          </p:cNvSpPr>
+          <p:nvPr>
+            <p:ph type="body" idx="1"/>
+          </p:nvPr>
+        </p:nvSpPr>
+        <p:spPr/>
+        <p:txBody>
+          <a:bodyPr/>
+          <a:lstStyle/>
+          <a:p>
+            <a:endParaRPr lang="en-US" dirty="0"/>
+          </a:p>
+        </p:txBody>
+      </p:sp>
+      <p:sp>
+        <p:nvSpPr>
+          <p:cNvPr id="4" name="Slide Number Placeholder 3"/>
+          <p:cNvSpPr>
+            <a:spLocks noGrp="1"/>
+          </p:cNvSpPr>
+          <p:nvPr>
+            <p:ph type="sldNum" sz="quarter" idx="10"/>
+          </p:nvPr>
+        </p:nvSpPr>
+        <p:spPr/>
+        <p:txBody>
+          <a:bodyPr/>
+          <a:lstStyle/>
+          <a:p>
+            <a:fld id="{69646EDC-1F5F-A24A-8FE9-6BAE40A63EAE}" type="slidenum">
+              <a:rPr lang="en-US" smtClean="0"/>
+              <a:t>16</a:t>
+            </a:fld>
+            <a:endParaRPr lang="en-US"/>
+          </a:p>
+        </p:txBody>
+      </p:sp>
+    </p:spTree>
+    <p:extLst>
+      <p:ext uri="{BB962C8B-B14F-4D97-AF65-F5344CB8AC3E}">
+        <p14:creationId xmlns:p14="http://schemas.microsoft.com/office/powerpoint/2010/main" val="476914818"/>
+      </p:ext>
+    </p:extLst>
+  </p:cSld>
+  <p:clrMapOvr>
+    <a:masterClrMapping/>
+  </p:clrMapOvr>
+</p:notes>
+</file>
+
+<file path=ppt/notesSlides/notesSlide11.xml><?xml version="1.0" encoding="utf-8"?>
+<p:notes xmlns:a="http://schemas.openxmlformats.org/drawingml/2006/main" xmlns:r="http://schemas.openxmlformats.org/officeDocument/2006/relationships" xmlns:p="http://schemas.openxmlformats.org/presentationml/2006/main">
+  <p:cSld>
+    <p:spTree>
+      <p:nvGrpSpPr>
+        <p:cNvPr id="1" name=""/>
+        <p:cNvGrpSpPr/>
+        <p:nvPr/>
+      </p:nvGrpSpPr>
+      <p:grpSpPr>
+        <a:xfrm>
+          <a:off x="0" y="0"/>
+          <a:ext cx="0" cy="0"/>
+          <a:chOff x="0" y="0"/>
+          <a:chExt cx="0" cy="0"/>
+        </a:xfrm>
+      </p:grpSpPr>
+      <p:sp>
+        <p:nvSpPr>
           <p:cNvPr id="92161" name="Slide Image Placeholder 1"/>
           <p:cNvSpPr>
             <a:spLocks noGrp="1" noRot="1" noChangeAspect="1"/>
@@ -1435,7 +1520,7 @@
             <a:fld id="{616706F1-6FD3-F548-87D9-DFB1549D8449}" type="slidenum">
               <a:rPr lang="en-GB" sz="1200"/>
               <a:pPr/>
-              <a:t>16</a:t>
+              <a:t>17</a:t>
             </a:fld>
             <a:endParaRPr lang="en-GB" sz="1200"/>
           </a:p>
@@ -1449,7 +1534,7 @@
 </p:notes>
 </file>
 
-<file path=ppt/notesSlides/notesSlide11.xml><?xml version="1.0" encoding="utf-8"?>
+<file path=ppt/notesSlides/notesSlide12.xml><?xml version="1.0" encoding="utf-8"?>
 <p:notes xmlns:a="http://schemas.openxmlformats.org/drawingml/2006/main" xmlns:r="http://schemas.openxmlformats.org/officeDocument/2006/relationships" xmlns:p="http://schemas.openxmlformats.org/presentationml/2006/main">
   <p:cSld>
     <p:spTree>
@@ -1850,7 +1935,7 @@
             <a:fld id="{FE6C18FA-BD9E-BA43-933F-013F32BA0940}" type="slidenum">
               <a:rPr lang="en-GB" sz="1200"/>
               <a:pPr/>
-              <a:t>17</a:t>
+              <a:t>18</a:t>
             </a:fld>
             <a:endParaRPr lang="en-GB" sz="1200"/>
           </a:p>
@@ -1864,7 +1949,7 @@
 </p:notes>
 </file>
 
-<file path=ppt/notesSlides/notesSlide12.xml><?xml version="1.0" encoding="utf-8"?>
+<file path=ppt/notesSlides/notesSlide13.xml><?xml version="1.0" encoding="utf-8"?>
 <p:notes xmlns:a="http://schemas.openxmlformats.org/drawingml/2006/main" xmlns:r="http://schemas.openxmlformats.org/officeDocument/2006/relationships" xmlns:p="http://schemas.openxmlformats.org/presentationml/2006/main">
   <p:cSld>
     <p:spTree>
@@ -2265,7 +2350,7 @@
             <a:fld id="{231FE684-8352-0344-9823-087EE6E27ED4}" type="slidenum">
               <a:rPr lang="en-GB" sz="1200"/>
               <a:pPr/>
-              <a:t>18</a:t>
+              <a:t>19</a:t>
             </a:fld>
             <a:endParaRPr lang="en-GB" sz="1200"/>
           </a:p>
@@ -2279,7 +2364,7 @@
 </p:notes>
 </file>
 
-<file path=ppt/notesSlides/notesSlide13.xml><?xml version="1.0" encoding="utf-8"?>
+<file path=ppt/notesSlides/notesSlide14.xml><?xml version="1.0" encoding="utf-8"?>
 <p:notes xmlns:a="http://schemas.openxmlformats.org/drawingml/2006/main" xmlns:r="http://schemas.openxmlformats.org/officeDocument/2006/relationships" xmlns:p="http://schemas.openxmlformats.org/presentationml/2006/main">
   <p:cSld>
     <p:spTree>
@@ -2680,7 +2765,7 @@
             <a:fld id="{0A224073-CC75-5648-ACD2-42D96E2F7680}" type="slidenum">
               <a:rPr lang="en-GB" sz="1200"/>
               <a:pPr/>
-              <a:t>19</a:t>
+              <a:t>20</a:t>
             </a:fld>
             <a:endParaRPr lang="en-GB" sz="1200"/>
           </a:p>
@@ -2694,7 +2779,7 @@
 </p:notes>
 </file>
 
-<file path=ppt/notesSlides/notesSlide14.xml><?xml version="1.0" encoding="utf-8"?>
+<file path=ppt/notesSlides/notesSlide15.xml><?xml version="1.0" encoding="utf-8"?>
 <p:notes xmlns:a="http://schemas.openxmlformats.org/drawingml/2006/main" xmlns:r="http://schemas.openxmlformats.org/officeDocument/2006/relationships" xmlns:p="http://schemas.openxmlformats.org/presentationml/2006/main">
   <p:cSld>
     <p:spTree>
@@ -3040,7 +3125,7 @@
                 <a:latin typeface="Times New Roman" charset="0"/>
               </a:rPr>
               <a:pPr/>
-              <a:t>21</a:t>
+              <a:t>22</a:t>
             </a:fld>
             <a:endParaRPr lang="en-GB" sz="1200">
               <a:latin typeface="Times New Roman" charset="0"/>
@@ -3116,7 +3201,7 @@
 </p:notes>
 </file>
 
-<file path=ppt/notesSlides/notesSlide15.xml><?xml version="1.0" encoding="utf-8"?>
+<file path=ppt/notesSlides/notesSlide16.xml><?xml version="1.0" encoding="utf-8"?>
 <p:notes xmlns:a="http://schemas.openxmlformats.org/drawingml/2006/main" xmlns:r="http://schemas.openxmlformats.org/officeDocument/2006/relationships" xmlns:p="http://schemas.openxmlformats.org/presentationml/2006/main">
   <p:cSld>
     <p:spTree>
@@ -3593,7 +3678,7 @@
                 <a:cs typeface="ＭＳ Ｐゴシック" charset="0"/>
               </a:rPr>
               <a:pPr/>
-              <a:t>22</a:t>
+              <a:t>23</a:t>
             </a:fld>
             <a:endParaRPr lang="en-GB" sz="1200" b="0">
               <a:latin typeface="Times New Roman" charset="0"/>
@@ -3672,7 +3757,7 @@
 </p:notes>
 </file>
 
-<file path=ppt/notesSlides/notesSlide16.xml><?xml version="1.0" encoding="utf-8"?>
+<file path=ppt/notesSlides/notesSlide17.xml><?xml version="1.0" encoding="utf-8"?>
 <p:notes xmlns:a="http://schemas.openxmlformats.org/drawingml/2006/main" xmlns:r="http://schemas.openxmlformats.org/officeDocument/2006/relationships" xmlns:p="http://schemas.openxmlformats.org/presentationml/2006/main">
   <p:cSld>
     <p:spTree>
@@ -4149,7 +4234,7 @@
                 <a:cs typeface="ＭＳ Ｐゴシック" charset="0"/>
               </a:rPr>
               <a:pPr/>
-              <a:t>27</a:t>
+              <a:t>28</a:t>
             </a:fld>
             <a:endParaRPr lang="en-GB" sz="1200" b="0">
               <a:latin typeface="Times New Roman" charset="0"/>
@@ -4228,7 +4313,7 @@
 </p:notes>
 </file>
 
-<file path=ppt/notesSlides/notesSlide17.xml><?xml version="1.0" encoding="utf-8"?>
+<file path=ppt/notesSlides/notesSlide18.xml><?xml version="1.0" encoding="utf-8"?>
 <p:notes xmlns:a="http://schemas.openxmlformats.org/drawingml/2006/main" xmlns:r="http://schemas.openxmlformats.org/officeDocument/2006/relationships" xmlns:p="http://schemas.openxmlformats.org/presentationml/2006/main">
   <p:cSld>
     <p:spTree>
@@ -4702,7 +4787,7 @@
                 <a:cs typeface="ＭＳ Ｐゴシック" charset="0"/>
               </a:rPr>
               <a:pPr/>
-              <a:t>28</a:t>
+              <a:t>29</a:t>
             </a:fld>
             <a:endParaRPr lang="en-GB" sz="1200">
               <a:latin typeface="Times New Roman" charset="0"/>
@@ -8149,7 +8234,7 @@
       </p:grpSpPr>
       <p:sp>
         <p:nvSpPr>
-          <p:cNvPr id="2" name="Slide Image Placeholder 1"/>
+          <p:cNvPr id="98305" name="Slide Image Placeholder 1"/>
           <p:cNvSpPr>
             <a:spLocks noGrp="1" noRot="1" noChangeAspect="1"/>
           </p:cNvSpPr>
@@ -8157,11 +8242,13 @@
             <p:ph type="sldImg"/>
           </p:nvPr>
         </p:nvSpPr>
-        <p:spPr/>
+        <p:spPr>
+          <a:ln/>
+        </p:spPr>
       </p:sp>
       <p:sp>
         <p:nvSpPr>
-          <p:cNvPr id="3" name="Notes Placeholder 2"/>
+          <p:cNvPr id="98306" name="Notes Placeholder 2"/>
           <p:cNvSpPr>
             <a:spLocks noGrp="1"/>
           </p:cNvSpPr>
@@ -8169,23 +8256,50 @@
             <p:ph type="body" idx="1"/>
           </p:nvPr>
         </p:nvSpPr>
-        <p:spPr/>
+        <p:spPr>
+          <a:noFill/>
+          <a:ln/>
+          <a:extLst>
+            <a:ext uri="{909E8E84-426E-40dd-AFC4-6F175D3DCCD1}">
+              <a14:hiddenFill xmlns:a14="http://schemas.microsoft.com/office/drawing/2010/main">
+                <a:solidFill>
+                  <a:srgbClr val="FFFFFF"/>
+                </a:solidFill>
+              </a14:hiddenFill>
+            </a:ext>
+            <a:ext uri="{91240B29-F687-4f45-9708-019B960494DF}">
+              <a14:hiddenLine xmlns:a14="http://schemas.microsoft.com/office/drawing/2010/main" w="9525">
+                <a:solidFill>
+                  <a:srgbClr val="000000"/>
+                </a:solidFill>
+                <a:miter lim="800000"/>
+                <a:headEnd/>
+                <a:tailEnd/>
+              </a14:hiddenLine>
+            </a:ext>
+            <a:ext uri="{FAA26D3D-D897-4be2-8F04-BA451C77F1D7}">
+              <ma14:placeholderFlag xmlns:ma14="http://schemas.microsoft.com/office/mac/drawingml/2011/main" val="1"/>
+            </a:ext>
+          </a:extLst>
+        </p:spPr>
         <p:txBody>
           <a:bodyPr/>
           <a:lstStyle/>
           <a:p>
-            <a:endParaRPr lang="en-US" dirty="0"/>
+            <a:endParaRPr lang="en-US">
+              <a:latin typeface="Times" charset="0"/>
+            </a:endParaRPr>
           </a:p>
         </p:txBody>
       </p:sp>
       <p:sp>
         <p:nvSpPr>
-          <p:cNvPr id="4" name="Slide Number Placeholder 3"/>
+          <p:cNvPr id="4" name="Header Placeholder 3"/>
           <p:cNvSpPr>
             <a:spLocks noGrp="1"/>
           </p:cNvSpPr>
           <p:nvPr>
-            <p:ph type="sldNum" sz="quarter" idx="10"/>
+            <p:ph type="hdr" sz="quarter"/>
           </p:nvPr>
         </p:nvSpPr>
         <p:spPr/>
@@ -8193,20 +8307,322 @@
           <a:bodyPr/>
           <a:lstStyle/>
           <a:p>
-            <a:fld id="{69646EDC-1F5F-A24A-8FE9-6BAE40A63EAE}" type="slidenum">
-              <a:rPr lang="en-US" smtClean="0"/>
+            <a:pPr>
+              <a:defRPr/>
+            </a:pPr>
+            <a:r>
+              <a:rPr lang="en-GB" smtClean="0"/>
+              <a:t>Objects First with Java</a:t>
+            </a:r>
+            <a:endParaRPr lang="en-GB"/>
+          </a:p>
+        </p:txBody>
+      </p:sp>
+      <p:sp>
+        <p:nvSpPr>
+          <p:cNvPr id="98308" name="Footer Placeholder 4"/>
+          <p:cNvSpPr>
+            <a:spLocks noGrp="1"/>
+          </p:cNvSpPr>
+          <p:nvPr>
+            <p:ph type="ftr" sz="quarter" idx="4"/>
+          </p:nvPr>
+        </p:nvSpPr>
+        <p:spPr>
+          <a:noFill/>
+          <a:ln/>
+          <a:extLst>
+            <a:ext uri="{909E8E84-426E-40dd-AFC4-6F175D3DCCD1}">
+              <a14:hiddenFill xmlns:a14="http://schemas.microsoft.com/office/drawing/2010/main">
+                <a:solidFill>
+                  <a:srgbClr val="FFFFFF"/>
+                </a:solidFill>
+              </a14:hiddenFill>
+            </a:ext>
+            <a:ext uri="{91240B29-F687-4f45-9708-019B960494DF}">
+              <a14:hiddenLine xmlns:a14="http://schemas.microsoft.com/office/drawing/2010/main" w="9525">
+                <a:solidFill>
+                  <a:srgbClr val="000000"/>
+                </a:solidFill>
+                <a:miter lim="800000"/>
+                <a:headEnd/>
+                <a:tailEnd/>
+              </a14:hiddenLine>
+            </a:ext>
+          </a:extLst>
+        </p:spPr>
+        <p:txBody>
+          <a:bodyPr/>
+          <a:lstStyle>
+            <a:lvl1pPr>
+              <a:defRPr sz="2300" b="1">
+                <a:solidFill>
+                  <a:schemeClr val="tx1"/>
+                </a:solidFill>
+                <a:latin typeface="Times" charset="0"/>
+                <a:ea typeface="ＭＳ Ｐゴシック" charset="0"/>
+                <a:cs typeface="ＭＳ Ｐゴシック" charset="0"/>
+              </a:defRPr>
+            </a:lvl1pPr>
+            <a:lvl2pPr marL="702756" indent="-270291">
+              <a:defRPr sz="2300" b="1">
+                <a:solidFill>
+                  <a:schemeClr val="tx1"/>
+                </a:solidFill>
+                <a:latin typeface="Times" charset="0"/>
+                <a:ea typeface="ＭＳ Ｐゴシック" charset="0"/>
+              </a:defRPr>
+            </a:lvl2pPr>
+            <a:lvl3pPr marL="1081164" indent="-216233">
+              <a:defRPr sz="2300" b="1">
+                <a:solidFill>
+                  <a:schemeClr val="tx1"/>
+                </a:solidFill>
+                <a:latin typeface="Times" charset="0"/>
+                <a:ea typeface="ＭＳ Ｐゴシック" charset="0"/>
+              </a:defRPr>
+            </a:lvl3pPr>
+            <a:lvl4pPr marL="1513629" indent="-216233">
+              <a:defRPr sz="2300" b="1">
+                <a:solidFill>
+                  <a:schemeClr val="tx1"/>
+                </a:solidFill>
+                <a:latin typeface="Times" charset="0"/>
+                <a:ea typeface="ＭＳ Ｐゴシック" charset="0"/>
+              </a:defRPr>
+            </a:lvl4pPr>
+            <a:lvl5pPr marL="1946095" indent="-216233">
+              <a:defRPr sz="2300" b="1">
+                <a:solidFill>
+                  <a:schemeClr val="tx1"/>
+                </a:solidFill>
+                <a:latin typeface="Times" charset="0"/>
+                <a:ea typeface="ＭＳ Ｐゴシック" charset="0"/>
+              </a:defRPr>
+            </a:lvl5pPr>
+            <a:lvl6pPr marL="2378560" indent="-216233" eaLnBrk="0" fontAlgn="base" hangingPunct="0">
+              <a:spcBef>
+                <a:spcPct val="0"/>
+              </a:spcBef>
+              <a:spcAft>
+                <a:spcPct val="0"/>
+              </a:spcAft>
+              <a:defRPr sz="2300" b="1">
+                <a:solidFill>
+                  <a:schemeClr val="tx1"/>
+                </a:solidFill>
+                <a:latin typeface="Times" charset="0"/>
+                <a:ea typeface="ＭＳ Ｐゴシック" charset="0"/>
+              </a:defRPr>
+            </a:lvl6pPr>
+            <a:lvl7pPr marL="2811026" indent="-216233" eaLnBrk="0" fontAlgn="base" hangingPunct="0">
+              <a:spcBef>
+                <a:spcPct val="0"/>
+              </a:spcBef>
+              <a:spcAft>
+                <a:spcPct val="0"/>
+              </a:spcAft>
+              <a:defRPr sz="2300" b="1">
+                <a:solidFill>
+                  <a:schemeClr val="tx1"/>
+                </a:solidFill>
+                <a:latin typeface="Times" charset="0"/>
+                <a:ea typeface="ＭＳ Ｐゴシック" charset="0"/>
+              </a:defRPr>
+            </a:lvl7pPr>
+            <a:lvl8pPr marL="3243491" indent="-216233" eaLnBrk="0" fontAlgn="base" hangingPunct="0">
+              <a:spcBef>
+                <a:spcPct val="0"/>
+              </a:spcBef>
+              <a:spcAft>
+                <a:spcPct val="0"/>
+              </a:spcAft>
+              <a:defRPr sz="2300" b="1">
+                <a:solidFill>
+                  <a:schemeClr val="tx1"/>
+                </a:solidFill>
+                <a:latin typeface="Times" charset="0"/>
+                <a:ea typeface="ＭＳ Ｐゴシック" charset="0"/>
+              </a:defRPr>
+            </a:lvl8pPr>
+            <a:lvl9pPr marL="3675957" indent="-216233" eaLnBrk="0" fontAlgn="base" hangingPunct="0">
+              <a:spcBef>
+                <a:spcPct val="0"/>
+              </a:spcBef>
+              <a:spcAft>
+                <a:spcPct val="0"/>
+              </a:spcAft>
+              <a:defRPr sz="2300" b="1">
+                <a:solidFill>
+                  <a:schemeClr val="tx1"/>
+                </a:solidFill>
+                <a:latin typeface="Times" charset="0"/>
+                <a:ea typeface="ＭＳ Ｐゴシック" charset="0"/>
+              </a:defRPr>
+            </a:lvl9pPr>
+          </a:lstStyle>
+          <a:p>
+            <a:r>
+              <a:rPr lang="en-GB" sz="1200"/>
+              <a:t>© David J. Barnes and Michael Kölling</a:t>
+            </a:r>
+          </a:p>
+        </p:txBody>
+      </p:sp>
+      <p:sp>
+        <p:nvSpPr>
+          <p:cNvPr id="98309" name="Slide Number Placeholder 5"/>
+          <p:cNvSpPr>
+            <a:spLocks noGrp="1"/>
+          </p:cNvSpPr>
+          <p:nvPr>
+            <p:ph type="sldNum" sz="quarter" idx="5"/>
+          </p:nvPr>
+        </p:nvSpPr>
+        <p:spPr>
+          <a:noFill/>
+          <a:ln/>
+          <a:extLst>
+            <a:ext uri="{909E8E84-426E-40dd-AFC4-6F175D3DCCD1}">
+              <a14:hiddenFill xmlns:a14="http://schemas.microsoft.com/office/drawing/2010/main">
+                <a:solidFill>
+                  <a:srgbClr val="FFFFFF"/>
+                </a:solidFill>
+              </a14:hiddenFill>
+            </a:ext>
+            <a:ext uri="{91240B29-F687-4f45-9708-019B960494DF}">
+              <a14:hiddenLine xmlns:a14="http://schemas.microsoft.com/office/drawing/2010/main" w="9525">
+                <a:solidFill>
+                  <a:srgbClr val="000000"/>
+                </a:solidFill>
+                <a:miter lim="800000"/>
+                <a:headEnd/>
+                <a:tailEnd/>
+              </a14:hiddenLine>
+            </a:ext>
+          </a:extLst>
+        </p:spPr>
+        <p:txBody>
+          <a:bodyPr/>
+          <a:lstStyle>
+            <a:lvl1pPr>
+              <a:defRPr sz="2300" b="1">
+                <a:solidFill>
+                  <a:schemeClr val="tx1"/>
+                </a:solidFill>
+                <a:latin typeface="Times" charset="0"/>
+                <a:ea typeface="ＭＳ Ｐゴシック" charset="0"/>
+                <a:cs typeface="ＭＳ Ｐゴシック" charset="0"/>
+              </a:defRPr>
+            </a:lvl1pPr>
+            <a:lvl2pPr marL="702756" indent="-270291">
+              <a:defRPr sz="2300" b="1">
+                <a:solidFill>
+                  <a:schemeClr val="tx1"/>
+                </a:solidFill>
+                <a:latin typeface="Times" charset="0"/>
+                <a:ea typeface="ＭＳ Ｐゴシック" charset="0"/>
+              </a:defRPr>
+            </a:lvl2pPr>
+            <a:lvl3pPr marL="1081164" indent="-216233">
+              <a:defRPr sz="2300" b="1">
+                <a:solidFill>
+                  <a:schemeClr val="tx1"/>
+                </a:solidFill>
+                <a:latin typeface="Times" charset="0"/>
+                <a:ea typeface="ＭＳ Ｐゴシック" charset="0"/>
+              </a:defRPr>
+            </a:lvl3pPr>
+            <a:lvl4pPr marL="1513629" indent="-216233">
+              <a:defRPr sz="2300" b="1">
+                <a:solidFill>
+                  <a:schemeClr val="tx1"/>
+                </a:solidFill>
+                <a:latin typeface="Times" charset="0"/>
+                <a:ea typeface="ＭＳ Ｐゴシック" charset="0"/>
+              </a:defRPr>
+            </a:lvl4pPr>
+            <a:lvl5pPr marL="1946095" indent="-216233">
+              <a:defRPr sz="2300" b="1">
+                <a:solidFill>
+                  <a:schemeClr val="tx1"/>
+                </a:solidFill>
+                <a:latin typeface="Times" charset="0"/>
+                <a:ea typeface="ＭＳ Ｐゴシック" charset="0"/>
+              </a:defRPr>
+            </a:lvl5pPr>
+            <a:lvl6pPr marL="2378560" indent="-216233" eaLnBrk="0" fontAlgn="base" hangingPunct="0">
+              <a:spcBef>
+                <a:spcPct val="0"/>
+              </a:spcBef>
+              <a:spcAft>
+                <a:spcPct val="0"/>
+              </a:spcAft>
+              <a:defRPr sz="2300" b="1">
+                <a:solidFill>
+                  <a:schemeClr val="tx1"/>
+                </a:solidFill>
+                <a:latin typeface="Times" charset="0"/>
+                <a:ea typeface="ＭＳ Ｐゴシック" charset="0"/>
+              </a:defRPr>
+            </a:lvl6pPr>
+            <a:lvl7pPr marL="2811026" indent="-216233" eaLnBrk="0" fontAlgn="base" hangingPunct="0">
+              <a:spcBef>
+                <a:spcPct val="0"/>
+              </a:spcBef>
+              <a:spcAft>
+                <a:spcPct val="0"/>
+              </a:spcAft>
+              <a:defRPr sz="2300" b="1">
+                <a:solidFill>
+                  <a:schemeClr val="tx1"/>
+                </a:solidFill>
+                <a:latin typeface="Times" charset="0"/>
+                <a:ea typeface="ＭＳ Ｐゴシック" charset="0"/>
+              </a:defRPr>
+            </a:lvl7pPr>
+            <a:lvl8pPr marL="3243491" indent="-216233" eaLnBrk="0" fontAlgn="base" hangingPunct="0">
+              <a:spcBef>
+                <a:spcPct val="0"/>
+              </a:spcBef>
+              <a:spcAft>
+                <a:spcPct val="0"/>
+              </a:spcAft>
+              <a:defRPr sz="2300" b="1">
+                <a:solidFill>
+                  <a:schemeClr val="tx1"/>
+                </a:solidFill>
+                <a:latin typeface="Times" charset="0"/>
+                <a:ea typeface="ＭＳ Ｐゴシック" charset="0"/>
+              </a:defRPr>
+            </a:lvl8pPr>
+            <a:lvl9pPr marL="3675957" indent="-216233" eaLnBrk="0" fontAlgn="base" hangingPunct="0">
+              <a:spcBef>
+                <a:spcPct val="0"/>
+              </a:spcBef>
+              <a:spcAft>
+                <a:spcPct val="0"/>
+              </a:spcAft>
+              <a:defRPr sz="2300" b="1">
+                <a:solidFill>
+                  <a:schemeClr val="tx1"/>
+                </a:solidFill>
+                <a:latin typeface="Times" charset="0"/>
+                <a:ea typeface="ＭＳ Ｐゴシック" charset="0"/>
+              </a:defRPr>
+            </a:lvl9pPr>
+          </a:lstStyle>
+          <a:p>
+            <a:fld id="{0A224073-CC75-5648-ACD2-42D96E2F7680}" type="slidenum">
+              <a:rPr lang="en-GB" sz="1200"/>
+              <a:pPr/>
               <a:t>15</a:t>
             </a:fld>
-            <a:endParaRPr lang="en-US"/>
+            <a:endParaRPr lang="en-GB" sz="1200"/>
           </a:p>
         </p:txBody>
       </p:sp>
     </p:spTree>
-    <p:extLst>
-      <p:ext uri="{BB962C8B-B14F-4D97-AF65-F5344CB8AC3E}">
-        <p14:creationId xmlns:p14="http://schemas.microsoft.com/office/powerpoint/2010/main" val="476914818"/>
-      </p:ext>
-    </p:extLst>
   </p:cSld>
   <p:clrMapOvr>
     <a:masterClrMapping/>
@@ -13572,7 +13988,7 @@
           <a:p>
             <a:r>
               <a:rPr lang="en-US" dirty="0" smtClean="0"/>
-              <a:t>PWOD</a:t>
+              <a:t>WOD</a:t>
             </a:r>
             <a:endParaRPr lang="en-US" dirty="0"/>
           </a:p>
@@ -13633,6 +14049,412 @@
       </p:grpSpPr>
       <p:sp>
         <p:nvSpPr>
+          <p:cNvPr id="97281" name="Title 1"/>
+          <p:cNvSpPr>
+            <a:spLocks noGrp="1"/>
+          </p:cNvSpPr>
+          <p:nvPr>
+            <p:ph type="title"/>
+          </p:nvPr>
+        </p:nvSpPr>
+        <p:spPr/>
+        <p:txBody>
+          <a:bodyPr/>
+          <a:lstStyle/>
+          <a:p>
+            <a:pPr eaLnBrk="1" hangingPunct="1"/>
+            <a:r>
+              <a:rPr lang="en-US" dirty="0" smtClean="0">
+                <a:latin typeface="Calibri"/>
+                <a:cs typeface="Calibri"/>
+              </a:rPr>
+              <a:t>Submit your WOD</a:t>
+            </a:r>
+            <a:endParaRPr lang="en-US" dirty="0">
+              <a:latin typeface="Calibri"/>
+              <a:cs typeface="Calibri"/>
+            </a:endParaRPr>
+          </a:p>
+        </p:txBody>
+      </p:sp>
+      <p:sp>
+        <p:nvSpPr>
+          <p:cNvPr id="3" name="Content Placeholder 2"/>
+          <p:cNvSpPr>
+            <a:spLocks noGrp="1"/>
+          </p:cNvSpPr>
+          <p:nvPr>
+            <p:ph idx="1"/>
+          </p:nvPr>
+        </p:nvSpPr>
+        <p:spPr/>
+        <p:txBody>
+          <a:bodyPr/>
+          <a:lstStyle/>
+          <a:p>
+            <a:pPr eaLnBrk="1" hangingPunct="1"/>
+            <a:r>
+              <a:rPr lang="en-US" dirty="0">
+                <a:latin typeface="Calibri"/>
+                <a:cs typeface="Calibri"/>
+              </a:rPr>
+              <a:t>Right-click on your project folder, select</a:t>
+            </a:r>
+          </a:p>
+          <a:p>
+            <a:pPr lvl="1" eaLnBrk="1" hangingPunct="1"/>
+            <a:r>
+              <a:rPr lang="en-US" dirty="0">
+                <a:latin typeface="Calibri"/>
+                <a:ea typeface="ＭＳ Ｐゴシック" charset="0"/>
+                <a:cs typeface="Calibri"/>
+              </a:rPr>
+              <a:t>“Export &gt; General &gt; Archive File”</a:t>
+            </a:r>
+          </a:p>
+          <a:p>
+            <a:pPr eaLnBrk="1" hangingPunct="1"/>
+            <a:r>
+              <a:rPr lang="en-US" dirty="0">
+                <a:latin typeface="Calibri"/>
+                <a:cs typeface="Calibri"/>
+              </a:rPr>
+              <a:t>Name it “</a:t>
+            </a:r>
+            <a:r>
+              <a:rPr lang="en-US" dirty="0" err="1" smtClean="0">
+                <a:latin typeface="Calibri"/>
+                <a:cs typeface="Calibri"/>
+              </a:rPr>
+              <a:t>HelloWorld_uLogin</a:t>
+            </a:r>
+            <a:r>
+              <a:rPr lang="en-US" dirty="0" smtClean="0">
+                <a:latin typeface="Calibri"/>
+                <a:cs typeface="Calibri"/>
+              </a:rPr>
+              <a:t>”</a:t>
+            </a:r>
+            <a:endParaRPr lang="en-US" dirty="0">
+              <a:latin typeface="Calibri"/>
+              <a:cs typeface="Calibri"/>
+            </a:endParaRPr>
+          </a:p>
+          <a:p>
+            <a:pPr eaLnBrk="1" hangingPunct="1"/>
+            <a:r>
+              <a:rPr lang="en-US" dirty="0">
+                <a:latin typeface="Calibri"/>
+                <a:cs typeface="Calibri"/>
+              </a:rPr>
+              <a:t>Upload to </a:t>
+            </a:r>
+            <a:r>
+              <a:rPr lang="en-US" dirty="0" smtClean="0">
+                <a:latin typeface="Calibri"/>
+                <a:cs typeface="Calibri"/>
+              </a:rPr>
+              <a:t>Moodle</a:t>
+            </a:r>
+            <a:endParaRPr lang="en-US" dirty="0">
+              <a:latin typeface="Calibri"/>
+              <a:cs typeface="Calibri"/>
+            </a:endParaRPr>
+          </a:p>
+        </p:txBody>
+      </p:sp>
+    </p:spTree>
+    <p:extLst>
+      <p:ext uri="{BB962C8B-B14F-4D97-AF65-F5344CB8AC3E}">
+        <p14:creationId xmlns:p14="http://schemas.microsoft.com/office/powerpoint/2010/main" val="3499265642"/>
+      </p:ext>
+    </p:extLst>
+  </p:cSld>
+  <p:clrMapOvr>
+    <a:masterClrMapping/>
+  </p:clrMapOvr>
+  <p:transition xmlns:p14="http://schemas.microsoft.com/office/powerpoint/2010/main" spd="slow"/>
+  <p:timing>
+    <p:tnLst>
+      <p:par>
+        <p:cTn xmlns:p14="http://schemas.microsoft.com/office/powerpoint/2010/main" id="1" dur="indefinite" restart="never" nodeType="tmRoot">
+          <p:childTnLst>
+            <p:seq concurrent="1" nextAc="seek">
+              <p:cTn id="2" dur="indefinite" nodeType="mainSeq">
+                <p:childTnLst>
+                  <p:par>
+                    <p:cTn id="3" fill="hold" nodeType="clickPar">
+                      <p:stCondLst>
+                        <p:cond delay="indefinite"/>
+                      </p:stCondLst>
+                      <p:childTnLst>
+                        <p:par>
+                          <p:cTn id="4" fill="hold" nodeType="withGroup">
+                            <p:stCondLst>
+                              <p:cond delay="0"/>
+                            </p:stCondLst>
+                            <p:childTnLst>
+                              <p:par>
+                                <p:cTn id="5" presetID="22" presetClass="entr" presetSubtype="8" fill="hold" grpId="0" nodeType="clickEffect">
+                                  <p:stCondLst>
+                                    <p:cond delay="0"/>
+                                  </p:stCondLst>
+                                  <p:childTnLst>
+                                    <p:set>
+                                      <p:cBhvr>
+                                        <p:cTn id="6" dur="1" fill="hold">
+                                          <p:stCondLst>
+                                            <p:cond delay="0"/>
+                                          </p:stCondLst>
+                                        </p:cTn>
+                                        <p:tgtEl>
+                                          <p:spTgt spid="3">
+                                            <p:txEl>
+                                              <p:pRg st="0" end="0"/>
+                                            </p:txEl>
+                                          </p:spTgt>
+                                        </p:tgtEl>
+                                        <p:attrNameLst>
+                                          <p:attrName>style.visibility</p:attrName>
+                                        </p:attrNameLst>
+                                      </p:cBhvr>
+                                      <p:to>
+                                        <p:strVal val="visible"/>
+                                      </p:to>
+                                    </p:set>
+                                    <p:animEffect transition="in" filter="wipe(left)">
+                                      <p:cBhvr>
+                                        <p:cTn id="7" dur="500"/>
+                                        <p:tgtEl>
+                                          <p:spTgt spid="3">
+                                            <p:txEl>
+                                              <p:pRg st="0" end="0"/>
+                                            </p:txEl>
+                                          </p:spTgt>
+                                        </p:tgtEl>
+                                      </p:cBhvr>
+                                    </p:animEffect>
+                                  </p:childTnLst>
+                                </p:cTn>
+                              </p:par>
+                              <p:par>
+                                <p:cTn id="8" presetID="22" presetClass="entr" presetSubtype="8" fill="hold" grpId="0" nodeType="withEffect">
+                                  <p:stCondLst>
+                                    <p:cond delay="0"/>
+                                  </p:stCondLst>
+                                  <p:childTnLst>
+                                    <p:set>
+                                      <p:cBhvr>
+                                        <p:cTn id="9" dur="1" fill="hold">
+                                          <p:stCondLst>
+                                            <p:cond delay="0"/>
+                                          </p:stCondLst>
+                                        </p:cTn>
+                                        <p:tgtEl>
+                                          <p:spTgt spid="3">
+                                            <p:txEl>
+                                              <p:pRg st="1" end="1"/>
+                                            </p:txEl>
+                                          </p:spTgt>
+                                        </p:tgtEl>
+                                        <p:attrNameLst>
+                                          <p:attrName>style.visibility</p:attrName>
+                                        </p:attrNameLst>
+                                      </p:cBhvr>
+                                      <p:to>
+                                        <p:strVal val="visible"/>
+                                      </p:to>
+                                    </p:set>
+                                    <p:animEffect transition="in" filter="wipe(left)">
+                                      <p:cBhvr>
+                                        <p:cTn id="10" dur="500"/>
+                                        <p:tgtEl>
+                                          <p:spTgt spid="3">
+                                            <p:txEl>
+                                              <p:pRg st="1" end="1"/>
+                                            </p:txEl>
+                                          </p:spTgt>
+                                        </p:tgtEl>
+                                      </p:cBhvr>
+                                    </p:animEffect>
+                                  </p:childTnLst>
+                                </p:cTn>
+                              </p:par>
+                            </p:childTnLst>
+                          </p:cTn>
+                        </p:par>
+                      </p:childTnLst>
+                    </p:cTn>
+                  </p:par>
+                  <p:par>
+                    <p:cTn id="11" fill="hold" nodeType="clickPar">
+                      <p:stCondLst>
+                        <p:cond delay="indefinite"/>
+                      </p:stCondLst>
+                      <p:childTnLst>
+                        <p:par>
+                          <p:cTn id="12" fill="hold" nodeType="withGroup">
+                            <p:stCondLst>
+                              <p:cond delay="0"/>
+                            </p:stCondLst>
+                            <p:childTnLst>
+                              <p:par>
+                                <p:cTn id="13" presetID="22" presetClass="entr" presetSubtype="8" fill="hold" grpId="0" nodeType="clickEffect">
+                                  <p:stCondLst>
+                                    <p:cond delay="0"/>
+                                  </p:stCondLst>
+                                  <p:childTnLst>
+                                    <p:set>
+                                      <p:cBhvr>
+                                        <p:cTn id="14" dur="1" fill="hold">
+                                          <p:stCondLst>
+                                            <p:cond delay="0"/>
+                                          </p:stCondLst>
+                                        </p:cTn>
+                                        <p:tgtEl>
+                                          <p:spTgt spid="3">
+                                            <p:txEl>
+                                              <p:pRg st="2" end="2"/>
+                                            </p:txEl>
+                                          </p:spTgt>
+                                        </p:tgtEl>
+                                        <p:attrNameLst>
+                                          <p:attrName>style.visibility</p:attrName>
+                                        </p:attrNameLst>
+                                      </p:cBhvr>
+                                      <p:to>
+                                        <p:strVal val="visible"/>
+                                      </p:to>
+                                    </p:set>
+                                    <p:animEffect transition="in" filter="wipe(left)">
+                                      <p:cBhvr>
+                                        <p:cTn id="15" dur="500"/>
+                                        <p:tgtEl>
+                                          <p:spTgt spid="3">
+                                            <p:txEl>
+                                              <p:pRg st="2" end="2"/>
+                                            </p:txEl>
+                                          </p:spTgt>
+                                        </p:tgtEl>
+                                      </p:cBhvr>
+                                    </p:animEffect>
+                                  </p:childTnLst>
+                                </p:cTn>
+                              </p:par>
+                            </p:childTnLst>
+                          </p:cTn>
+                        </p:par>
+                      </p:childTnLst>
+                    </p:cTn>
+                  </p:par>
+                  <p:par>
+                    <p:cTn id="16" fill="hold" nodeType="clickPar">
+                      <p:stCondLst>
+                        <p:cond delay="indefinite"/>
+                      </p:stCondLst>
+                      <p:childTnLst>
+                        <p:par>
+                          <p:cTn id="17" fill="hold" nodeType="withGroup">
+                            <p:stCondLst>
+                              <p:cond delay="0"/>
+                            </p:stCondLst>
+                            <p:childTnLst>
+                              <p:par>
+                                <p:cTn id="18" presetID="22" presetClass="entr" presetSubtype="8" fill="hold" grpId="0" nodeType="clickEffect">
+                                  <p:stCondLst>
+                                    <p:cond delay="0"/>
+                                  </p:stCondLst>
+                                  <p:childTnLst>
+                                    <p:set>
+                                      <p:cBhvr>
+                                        <p:cTn id="19" dur="1" fill="hold">
+                                          <p:stCondLst>
+                                            <p:cond delay="0"/>
+                                          </p:stCondLst>
+                                        </p:cTn>
+                                        <p:tgtEl>
+                                          <p:spTgt spid="3">
+                                            <p:txEl>
+                                              <p:pRg st="3" end="3"/>
+                                            </p:txEl>
+                                          </p:spTgt>
+                                        </p:tgtEl>
+                                        <p:attrNameLst>
+                                          <p:attrName>style.visibility</p:attrName>
+                                        </p:attrNameLst>
+                                      </p:cBhvr>
+                                      <p:to>
+                                        <p:strVal val="visible"/>
+                                      </p:to>
+                                    </p:set>
+                                    <p:animEffect transition="in" filter="wipe(left)">
+                                      <p:cBhvr>
+                                        <p:cTn id="20" dur="500"/>
+                                        <p:tgtEl>
+                                          <p:spTgt spid="3">
+                                            <p:txEl>
+                                              <p:pRg st="3" end="3"/>
+                                            </p:txEl>
+                                          </p:spTgt>
+                                        </p:tgtEl>
+                                      </p:cBhvr>
+                                    </p:animEffect>
+                                  </p:childTnLst>
+                                </p:cTn>
+                              </p:par>
+                            </p:childTnLst>
+                          </p:cTn>
+                        </p:par>
+                      </p:childTnLst>
+                    </p:cTn>
+                  </p:par>
+                </p:childTnLst>
+              </p:cTn>
+              <p:prevCondLst>
+                <p:cond evt="onPrev" delay="0">
+                  <p:tgtEl>
+                    <p:sldTgt/>
+                  </p:tgtEl>
+                </p:cond>
+              </p:prevCondLst>
+              <p:nextCondLst>
+                <p:cond evt="onNext" delay="0">
+                  <p:tgtEl>
+                    <p:sldTgt/>
+                  </p:tgtEl>
+                </p:cond>
+              </p:nextCondLst>
+            </p:seq>
+          </p:childTnLst>
+        </p:cTn>
+      </p:par>
+    </p:tnLst>
+    <p:bldLst>
+      <p:bldP spid="3" grpId="0" build="p"/>
+    </p:bldLst>
+  </p:timing>
+</p:sld>
+</file>
+
+<file path=ppt/slides/slide16.xml><?xml version="1.0" encoding="utf-8"?>
+<p:sld xmlns:a="http://schemas.openxmlformats.org/drawingml/2006/main" xmlns:r="http://schemas.openxmlformats.org/officeDocument/2006/relationships" xmlns:p="http://schemas.openxmlformats.org/presentationml/2006/main" show="0">
+  <p:cSld>
+    <p:spTree>
+      <p:nvGrpSpPr>
+        <p:cNvPr id="1" name=""/>
+        <p:cNvGrpSpPr/>
+        <p:nvPr/>
+      </p:nvGrpSpPr>
+      <p:grpSpPr>
+        <a:xfrm>
+          <a:off x="0" y="0"/>
+          <a:ext cx="0" cy="0"/>
+          <a:chOff x="0" y="0"/>
+          <a:chExt cx="0" cy="0"/>
+        </a:xfrm>
+      </p:grpSpPr>
+      <p:sp>
+        <p:nvSpPr>
           <p:cNvPr id="2" name="Title 1"/>
           <p:cNvSpPr>
             <a:spLocks noGrp="1"/>
@@ -13648,7 +14470,7 @@
           <a:p>
             <a:r>
               <a:rPr lang="en-US" dirty="0" smtClean="0"/>
-              <a:t>WOD</a:t>
+              <a:t>PWOD</a:t>
             </a:r>
             <a:endParaRPr lang="en-US" dirty="0"/>
           </a:p>
@@ -13687,6 +14509,14 @@
   <p:clrMapOvr>
     <a:masterClrMapping/>
   </p:clrMapOvr>
+  <mc:AlternateContent xmlns:mc="http://schemas.openxmlformats.org/markup-compatibility/2006">
+    <mc:Choice xmlns:p14="http://schemas.microsoft.com/office/powerpoint/2010/main" Requires="p14">
+      <p:transition spd="slow" p14:dur="2000"/>
+    </mc:Choice>
+    <mc:Fallback>
+      <p:transition xmlns:p14="http://schemas.microsoft.com/office/powerpoint/2010/main" spd="slow"/>
+    </mc:Fallback>
+  </mc:AlternateContent>
   <p:timing>
     <p:tnLst>
       <p:par>
@@ -13697,8 +14527,8 @@
 </p:sld>
 </file>
 
-<file path=ppt/slides/slide16.xml><?xml version="1.0" encoding="utf-8"?>
-<p:sld xmlns:a="http://schemas.openxmlformats.org/drawingml/2006/main" xmlns:r="http://schemas.openxmlformats.org/officeDocument/2006/relationships" xmlns:p="http://schemas.openxmlformats.org/presentationml/2006/main">
+<file path=ppt/slides/slide17.xml><?xml version="1.0" encoding="utf-8"?>
+<p:sld xmlns:a="http://schemas.openxmlformats.org/drawingml/2006/main" xmlns:r="http://schemas.openxmlformats.org/officeDocument/2006/relationships" xmlns:p="http://schemas.openxmlformats.org/presentationml/2006/main" show="0">
   <p:cSld>
     <p:spTree>
       <p:nvGrpSpPr>
@@ -14283,7 +15113,7 @@
 </p:sld>
 </file>
 
-<file path=ppt/slides/slide17.xml><?xml version="1.0" encoding="utf-8"?>
+<file path=ppt/slides/slide18.xml><?xml version="1.0" encoding="utf-8"?>
 <p:sld xmlns:a="http://schemas.openxmlformats.org/drawingml/2006/main" xmlns:r="http://schemas.openxmlformats.org/officeDocument/2006/relationships" xmlns:p="http://schemas.openxmlformats.org/presentationml/2006/main" show="0">
   <p:cSld>
     <p:spTree>
@@ -14412,8 +15242,8 @@
 </p:sld>
 </file>
 
-<file path=ppt/slides/slide18.xml><?xml version="1.0" encoding="utf-8"?>
-<p:sld xmlns:a="http://schemas.openxmlformats.org/drawingml/2006/main" xmlns:r="http://schemas.openxmlformats.org/officeDocument/2006/relationships" xmlns:p="http://schemas.openxmlformats.org/presentationml/2006/main">
+<file path=ppt/slides/slide19.xml><?xml version="1.0" encoding="utf-8"?>
+<p:sld xmlns:a="http://schemas.openxmlformats.org/drawingml/2006/main" xmlns:r="http://schemas.openxmlformats.org/officeDocument/2006/relationships" xmlns:p="http://schemas.openxmlformats.org/presentationml/2006/main" show="0">
   <p:cSld>
     <p:spTree>
       <p:nvGrpSpPr>
@@ -14518,7 +15348,7 @@
                 <a:latin typeface="Courier"/>
                 <a:cs typeface="Courier"/>
               </a:rPr>
-              <a:t>HelloWorldShape</a:t>
+              <a:t>HelloWorldGUI</a:t>
             </a:r>
             <a:r>
               <a:rPr lang="en-US" sz="2400" dirty="0" smtClean="0">
@@ -14771,412 +15601,6 @@
         <p:cTn xmlns:p14="http://schemas.microsoft.com/office/powerpoint/2010/main" id="1" dur="indefinite" restart="never" nodeType="tmRoot"/>
       </p:par>
     </p:tnLst>
-  </p:timing>
-</p:sld>
-</file>
-
-<file path=ppt/slides/slide19.xml><?xml version="1.0" encoding="utf-8"?>
-<p:sld xmlns:a="http://schemas.openxmlformats.org/drawingml/2006/main" xmlns:r="http://schemas.openxmlformats.org/officeDocument/2006/relationships" xmlns:p="http://schemas.openxmlformats.org/presentationml/2006/main">
-  <p:cSld>
-    <p:spTree>
-      <p:nvGrpSpPr>
-        <p:cNvPr id="1" name=""/>
-        <p:cNvGrpSpPr/>
-        <p:nvPr/>
-      </p:nvGrpSpPr>
-      <p:grpSpPr>
-        <a:xfrm>
-          <a:off x="0" y="0"/>
-          <a:ext cx="0" cy="0"/>
-          <a:chOff x="0" y="0"/>
-          <a:chExt cx="0" cy="0"/>
-        </a:xfrm>
-      </p:grpSpPr>
-      <p:sp>
-        <p:nvSpPr>
-          <p:cNvPr id="97281" name="Title 1"/>
-          <p:cNvSpPr>
-            <a:spLocks noGrp="1"/>
-          </p:cNvSpPr>
-          <p:nvPr>
-            <p:ph type="title"/>
-          </p:nvPr>
-        </p:nvSpPr>
-        <p:spPr/>
-        <p:txBody>
-          <a:bodyPr/>
-          <a:lstStyle/>
-          <a:p>
-            <a:pPr eaLnBrk="1" hangingPunct="1"/>
-            <a:r>
-              <a:rPr lang="en-US" dirty="0" smtClean="0">
-                <a:latin typeface="Calibri"/>
-                <a:cs typeface="Calibri"/>
-              </a:rPr>
-              <a:t>Submit your WOD</a:t>
-            </a:r>
-            <a:endParaRPr lang="en-US" dirty="0">
-              <a:latin typeface="Calibri"/>
-              <a:cs typeface="Calibri"/>
-            </a:endParaRPr>
-          </a:p>
-        </p:txBody>
-      </p:sp>
-      <p:sp>
-        <p:nvSpPr>
-          <p:cNvPr id="3" name="Content Placeholder 2"/>
-          <p:cNvSpPr>
-            <a:spLocks noGrp="1"/>
-          </p:cNvSpPr>
-          <p:nvPr>
-            <p:ph idx="1"/>
-          </p:nvPr>
-        </p:nvSpPr>
-        <p:spPr/>
-        <p:txBody>
-          <a:bodyPr/>
-          <a:lstStyle/>
-          <a:p>
-            <a:pPr eaLnBrk="1" hangingPunct="1"/>
-            <a:r>
-              <a:rPr lang="en-US" dirty="0">
-                <a:latin typeface="Calibri"/>
-                <a:cs typeface="Calibri"/>
-              </a:rPr>
-              <a:t>Right-click on your project folder, select</a:t>
-            </a:r>
-          </a:p>
-          <a:p>
-            <a:pPr lvl="1" eaLnBrk="1" hangingPunct="1"/>
-            <a:r>
-              <a:rPr lang="en-US" dirty="0">
-                <a:latin typeface="Calibri"/>
-                <a:ea typeface="ＭＳ Ｐゴシック" charset="0"/>
-                <a:cs typeface="Calibri"/>
-              </a:rPr>
-              <a:t>“Export &gt; General &gt; Archive File”</a:t>
-            </a:r>
-          </a:p>
-          <a:p>
-            <a:pPr eaLnBrk="1" hangingPunct="1"/>
-            <a:r>
-              <a:rPr lang="en-US" dirty="0">
-                <a:latin typeface="Calibri"/>
-                <a:cs typeface="Calibri"/>
-              </a:rPr>
-              <a:t>Name it “</a:t>
-            </a:r>
-            <a:r>
-              <a:rPr lang="en-US" dirty="0" err="1" smtClean="0">
-                <a:latin typeface="Calibri"/>
-                <a:cs typeface="Calibri"/>
-              </a:rPr>
-              <a:t>HelloWorld_uLogin</a:t>
-            </a:r>
-            <a:r>
-              <a:rPr lang="en-US" dirty="0" smtClean="0">
-                <a:latin typeface="Calibri"/>
-                <a:cs typeface="Calibri"/>
-              </a:rPr>
-              <a:t>”</a:t>
-            </a:r>
-            <a:endParaRPr lang="en-US" dirty="0">
-              <a:latin typeface="Calibri"/>
-              <a:cs typeface="Calibri"/>
-            </a:endParaRPr>
-          </a:p>
-          <a:p>
-            <a:pPr eaLnBrk="1" hangingPunct="1"/>
-            <a:r>
-              <a:rPr lang="en-US" dirty="0">
-                <a:latin typeface="Calibri"/>
-                <a:cs typeface="Calibri"/>
-              </a:rPr>
-              <a:t>Upload to </a:t>
-            </a:r>
-            <a:r>
-              <a:rPr lang="en-US" dirty="0" smtClean="0">
-                <a:latin typeface="Calibri"/>
-                <a:cs typeface="Calibri"/>
-              </a:rPr>
-              <a:t>Moodle</a:t>
-            </a:r>
-            <a:endParaRPr lang="en-US" dirty="0">
-              <a:latin typeface="Calibri"/>
-              <a:cs typeface="Calibri"/>
-            </a:endParaRPr>
-          </a:p>
-        </p:txBody>
-      </p:sp>
-    </p:spTree>
-    <p:extLst>
-      <p:ext uri="{BB962C8B-B14F-4D97-AF65-F5344CB8AC3E}">
-        <p14:creationId xmlns:p14="http://schemas.microsoft.com/office/powerpoint/2010/main" val="3499265642"/>
-      </p:ext>
-    </p:extLst>
-  </p:cSld>
-  <p:clrMapOvr>
-    <a:masterClrMapping/>
-  </p:clrMapOvr>
-  <p:transition xmlns:p14="http://schemas.microsoft.com/office/powerpoint/2010/main" spd="slow"/>
-  <p:timing>
-    <p:tnLst>
-      <p:par>
-        <p:cTn xmlns:p14="http://schemas.microsoft.com/office/powerpoint/2010/main" id="1" dur="indefinite" restart="never" nodeType="tmRoot">
-          <p:childTnLst>
-            <p:seq concurrent="1" nextAc="seek">
-              <p:cTn id="2" dur="indefinite" nodeType="mainSeq">
-                <p:childTnLst>
-                  <p:par>
-                    <p:cTn id="3" fill="hold" nodeType="clickPar">
-                      <p:stCondLst>
-                        <p:cond delay="indefinite"/>
-                      </p:stCondLst>
-                      <p:childTnLst>
-                        <p:par>
-                          <p:cTn id="4" fill="hold" nodeType="withGroup">
-                            <p:stCondLst>
-                              <p:cond delay="0"/>
-                            </p:stCondLst>
-                            <p:childTnLst>
-                              <p:par>
-                                <p:cTn id="5" presetID="22" presetClass="entr" presetSubtype="8" fill="hold" grpId="0" nodeType="clickEffect">
-                                  <p:stCondLst>
-                                    <p:cond delay="0"/>
-                                  </p:stCondLst>
-                                  <p:childTnLst>
-                                    <p:set>
-                                      <p:cBhvr>
-                                        <p:cTn id="6" dur="1" fill="hold">
-                                          <p:stCondLst>
-                                            <p:cond delay="0"/>
-                                          </p:stCondLst>
-                                        </p:cTn>
-                                        <p:tgtEl>
-                                          <p:spTgt spid="3">
-                                            <p:txEl>
-                                              <p:pRg st="0" end="0"/>
-                                            </p:txEl>
-                                          </p:spTgt>
-                                        </p:tgtEl>
-                                        <p:attrNameLst>
-                                          <p:attrName>style.visibility</p:attrName>
-                                        </p:attrNameLst>
-                                      </p:cBhvr>
-                                      <p:to>
-                                        <p:strVal val="visible"/>
-                                      </p:to>
-                                    </p:set>
-                                    <p:animEffect transition="in" filter="wipe(left)">
-                                      <p:cBhvr>
-                                        <p:cTn id="7" dur="500"/>
-                                        <p:tgtEl>
-                                          <p:spTgt spid="3">
-                                            <p:txEl>
-                                              <p:pRg st="0" end="0"/>
-                                            </p:txEl>
-                                          </p:spTgt>
-                                        </p:tgtEl>
-                                      </p:cBhvr>
-                                    </p:animEffect>
-                                  </p:childTnLst>
-                                </p:cTn>
-                              </p:par>
-                              <p:par>
-                                <p:cTn id="8" presetID="22" presetClass="entr" presetSubtype="8" fill="hold" grpId="0" nodeType="withEffect">
-                                  <p:stCondLst>
-                                    <p:cond delay="0"/>
-                                  </p:stCondLst>
-                                  <p:childTnLst>
-                                    <p:set>
-                                      <p:cBhvr>
-                                        <p:cTn id="9" dur="1" fill="hold">
-                                          <p:stCondLst>
-                                            <p:cond delay="0"/>
-                                          </p:stCondLst>
-                                        </p:cTn>
-                                        <p:tgtEl>
-                                          <p:spTgt spid="3">
-                                            <p:txEl>
-                                              <p:pRg st="1" end="1"/>
-                                            </p:txEl>
-                                          </p:spTgt>
-                                        </p:tgtEl>
-                                        <p:attrNameLst>
-                                          <p:attrName>style.visibility</p:attrName>
-                                        </p:attrNameLst>
-                                      </p:cBhvr>
-                                      <p:to>
-                                        <p:strVal val="visible"/>
-                                      </p:to>
-                                    </p:set>
-                                    <p:animEffect transition="in" filter="wipe(left)">
-                                      <p:cBhvr>
-                                        <p:cTn id="10" dur="500"/>
-                                        <p:tgtEl>
-                                          <p:spTgt spid="3">
-                                            <p:txEl>
-                                              <p:pRg st="1" end="1"/>
-                                            </p:txEl>
-                                          </p:spTgt>
-                                        </p:tgtEl>
-                                      </p:cBhvr>
-                                    </p:animEffect>
-                                  </p:childTnLst>
-                                </p:cTn>
-                              </p:par>
-                            </p:childTnLst>
-                          </p:cTn>
-                        </p:par>
-                      </p:childTnLst>
-                    </p:cTn>
-                  </p:par>
-                  <p:par>
-                    <p:cTn id="11" fill="hold" nodeType="clickPar">
-                      <p:stCondLst>
-                        <p:cond delay="indefinite"/>
-                      </p:stCondLst>
-                      <p:childTnLst>
-                        <p:par>
-                          <p:cTn id="12" fill="hold" nodeType="withGroup">
-                            <p:stCondLst>
-                              <p:cond delay="0"/>
-                            </p:stCondLst>
-                            <p:childTnLst>
-                              <p:par>
-                                <p:cTn id="13" presetID="22" presetClass="entr" presetSubtype="8" fill="hold" grpId="0" nodeType="clickEffect">
-                                  <p:stCondLst>
-                                    <p:cond delay="0"/>
-                                  </p:stCondLst>
-                                  <p:childTnLst>
-                                    <p:set>
-                                      <p:cBhvr>
-                                        <p:cTn id="14" dur="1" fill="hold">
-                                          <p:stCondLst>
-                                            <p:cond delay="0"/>
-                                          </p:stCondLst>
-                                        </p:cTn>
-                                        <p:tgtEl>
-                                          <p:spTgt spid="3">
-                                            <p:txEl>
-                                              <p:pRg st="2" end="2"/>
-                                            </p:txEl>
-                                          </p:spTgt>
-                                        </p:tgtEl>
-                                        <p:attrNameLst>
-                                          <p:attrName>style.visibility</p:attrName>
-                                        </p:attrNameLst>
-                                      </p:cBhvr>
-                                      <p:to>
-                                        <p:strVal val="visible"/>
-                                      </p:to>
-                                    </p:set>
-                                    <p:animEffect transition="in" filter="wipe(left)">
-                                      <p:cBhvr>
-                                        <p:cTn id="15" dur="500"/>
-                                        <p:tgtEl>
-                                          <p:spTgt spid="3">
-                                            <p:txEl>
-                                              <p:pRg st="2" end="2"/>
-                                            </p:txEl>
-                                          </p:spTgt>
-                                        </p:tgtEl>
-                                      </p:cBhvr>
-                                    </p:animEffect>
-                                  </p:childTnLst>
-                                </p:cTn>
-                              </p:par>
-                            </p:childTnLst>
-                          </p:cTn>
-                        </p:par>
-                      </p:childTnLst>
-                    </p:cTn>
-                  </p:par>
-                  <p:par>
-                    <p:cTn id="16" fill="hold" nodeType="clickPar">
-                      <p:stCondLst>
-                        <p:cond delay="indefinite"/>
-                      </p:stCondLst>
-                      <p:childTnLst>
-                        <p:par>
-                          <p:cTn id="17" fill="hold" nodeType="withGroup">
-                            <p:stCondLst>
-                              <p:cond delay="0"/>
-                            </p:stCondLst>
-                            <p:childTnLst>
-                              <p:par>
-                                <p:cTn id="18" presetID="22" presetClass="entr" presetSubtype="8" fill="hold" grpId="0" nodeType="clickEffect">
-                                  <p:stCondLst>
-                                    <p:cond delay="0"/>
-                                  </p:stCondLst>
-                                  <p:childTnLst>
-                                    <p:set>
-                                      <p:cBhvr>
-                                        <p:cTn id="19" dur="1" fill="hold">
-                                          <p:stCondLst>
-                                            <p:cond delay="0"/>
-                                          </p:stCondLst>
-                                        </p:cTn>
-                                        <p:tgtEl>
-                                          <p:spTgt spid="3">
-                                            <p:txEl>
-                                              <p:pRg st="3" end="3"/>
-                                            </p:txEl>
-                                          </p:spTgt>
-                                        </p:tgtEl>
-                                        <p:attrNameLst>
-                                          <p:attrName>style.visibility</p:attrName>
-                                        </p:attrNameLst>
-                                      </p:cBhvr>
-                                      <p:to>
-                                        <p:strVal val="visible"/>
-                                      </p:to>
-                                    </p:set>
-                                    <p:animEffect transition="in" filter="wipe(left)">
-                                      <p:cBhvr>
-                                        <p:cTn id="20" dur="500"/>
-                                        <p:tgtEl>
-                                          <p:spTgt spid="3">
-                                            <p:txEl>
-                                              <p:pRg st="3" end="3"/>
-                                            </p:txEl>
-                                          </p:spTgt>
-                                        </p:tgtEl>
-                                      </p:cBhvr>
-                                    </p:animEffect>
-                                  </p:childTnLst>
-                                </p:cTn>
-                              </p:par>
-                            </p:childTnLst>
-                          </p:cTn>
-                        </p:par>
-                      </p:childTnLst>
-                    </p:cTn>
-                  </p:par>
-                </p:childTnLst>
-              </p:cTn>
-              <p:prevCondLst>
-                <p:cond evt="onPrev" delay="0">
-                  <p:tgtEl>
-                    <p:sldTgt/>
-                  </p:tgtEl>
-                </p:cond>
-              </p:prevCondLst>
-              <p:nextCondLst>
-                <p:cond evt="onNext" delay="0">
-                  <p:tgtEl>
-                    <p:sldTgt/>
-                  </p:tgtEl>
-                </p:cond>
-              </p:nextCondLst>
-            </p:seq>
-          </p:childTnLst>
-        </p:cTn>
-      </p:par>
-    </p:tnLst>
-    <p:bldLst>
-      <p:bldP spid="3" grpId="0" build="p"/>
-    </p:bldLst>
   </p:timing>
 </p:sld>
 </file>
@@ -15956,6 +16380,412 @@
 </file>
 
 <file path=ppt/slides/slide20.xml><?xml version="1.0" encoding="utf-8"?>
+<p:sld xmlns:a="http://schemas.openxmlformats.org/drawingml/2006/main" xmlns:r="http://schemas.openxmlformats.org/officeDocument/2006/relationships" xmlns:p="http://schemas.openxmlformats.org/presentationml/2006/main" show="0">
+  <p:cSld>
+    <p:spTree>
+      <p:nvGrpSpPr>
+        <p:cNvPr id="1" name=""/>
+        <p:cNvGrpSpPr/>
+        <p:nvPr/>
+      </p:nvGrpSpPr>
+      <p:grpSpPr>
+        <a:xfrm>
+          <a:off x="0" y="0"/>
+          <a:ext cx="0" cy="0"/>
+          <a:chOff x="0" y="0"/>
+          <a:chExt cx="0" cy="0"/>
+        </a:xfrm>
+      </p:grpSpPr>
+      <p:sp>
+        <p:nvSpPr>
+          <p:cNvPr id="97281" name="Title 1"/>
+          <p:cNvSpPr>
+            <a:spLocks noGrp="1"/>
+          </p:cNvSpPr>
+          <p:nvPr>
+            <p:ph type="title"/>
+          </p:nvPr>
+        </p:nvSpPr>
+        <p:spPr/>
+        <p:txBody>
+          <a:bodyPr/>
+          <a:lstStyle/>
+          <a:p>
+            <a:pPr eaLnBrk="1" hangingPunct="1"/>
+            <a:r>
+              <a:rPr lang="en-US" dirty="0" smtClean="0">
+                <a:latin typeface="Calibri"/>
+                <a:cs typeface="Calibri"/>
+              </a:rPr>
+              <a:t>Submit your WOD</a:t>
+            </a:r>
+            <a:endParaRPr lang="en-US" dirty="0">
+              <a:latin typeface="Calibri"/>
+              <a:cs typeface="Calibri"/>
+            </a:endParaRPr>
+          </a:p>
+        </p:txBody>
+      </p:sp>
+      <p:sp>
+        <p:nvSpPr>
+          <p:cNvPr id="3" name="Content Placeholder 2"/>
+          <p:cNvSpPr>
+            <a:spLocks noGrp="1"/>
+          </p:cNvSpPr>
+          <p:nvPr>
+            <p:ph idx="1"/>
+          </p:nvPr>
+        </p:nvSpPr>
+        <p:spPr/>
+        <p:txBody>
+          <a:bodyPr/>
+          <a:lstStyle/>
+          <a:p>
+            <a:pPr eaLnBrk="1" hangingPunct="1"/>
+            <a:r>
+              <a:rPr lang="en-US" dirty="0">
+                <a:latin typeface="Calibri"/>
+                <a:cs typeface="Calibri"/>
+              </a:rPr>
+              <a:t>Right-click on your project folder, select</a:t>
+            </a:r>
+          </a:p>
+          <a:p>
+            <a:pPr lvl="1" eaLnBrk="1" hangingPunct="1"/>
+            <a:r>
+              <a:rPr lang="en-US" dirty="0">
+                <a:latin typeface="Calibri"/>
+                <a:ea typeface="ＭＳ Ｐゴシック" charset="0"/>
+                <a:cs typeface="Calibri"/>
+              </a:rPr>
+              <a:t>“Export &gt; General &gt; Archive File”</a:t>
+            </a:r>
+          </a:p>
+          <a:p>
+            <a:pPr eaLnBrk="1" hangingPunct="1"/>
+            <a:r>
+              <a:rPr lang="en-US" dirty="0">
+                <a:latin typeface="Calibri"/>
+                <a:cs typeface="Calibri"/>
+              </a:rPr>
+              <a:t>Name it “</a:t>
+            </a:r>
+            <a:r>
+              <a:rPr lang="en-US" dirty="0" err="1" smtClean="0">
+                <a:latin typeface="Calibri"/>
+                <a:cs typeface="Calibri"/>
+              </a:rPr>
+              <a:t>HelloWorldGUI_uLogin</a:t>
+            </a:r>
+            <a:r>
+              <a:rPr lang="en-US" dirty="0" smtClean="0">
+                <a:latin typeface="Calibri"/>
+                <a:cs typeface="Calibri"/>
+              </a:rPr>
+              <a:t>”</a:t>
+            </a:r>
+            <a:endParaRPr lang="en-US" dirty="0">
+              <a:latin typeface="Calibri"/>
+              <a:cs typeface="Calibri"/>
+            </a:endParaRPr>
+          </a:p>
+          <a:p>
+            <a:pPr eaLnBrk="1" hangingPunct="1"/>
+            <a:r>
+              <a:rPr lang="en-US" dirty="0">
+                <a:latin typeface="Calibri"/>
+                <a:cs typeface="Calibri"/>
+              </a:rPr>
+              <a:t>Upload to </a:t>
+            </a:r>
+            <a:r>
+              <a:rPr lang="en-US" dirty="0" smtClean="0">
+                <a:latin typeface="Calibri"/>
+                <a:cs typeface="Calibri"/>
+              </a:rPr>
+              <a:t>Moodle</a:t>
+            </a:r>
+            <a:endParaRPr lang="en-US" dirty="0">
+              <a:latin typeface="Calibri"/>
+              <a:cs typeface="Calibri"/>
+            </a:endParaRPr>
+          </a:p>
+        </p:txBody>
+      </p:sp>
+    </p:spTree>
+    <p:extLst>
+      <p:ext uri="{BB962C8B-B14F-4D97-AF65-F5344CB8AC3E}">
+        <p14:creationId xmlns:p14="http://schemas.microsoft.com/office/powerpoint/2010/main" val="4293375427"/>
+      </p:ext>
+    </p:extLst>
+  </p:cSld>
+  <p:clrMapOvr>
+    <a:masterClrMapping/>
+  </p:clrMapOvr>
+  <p:transition xmlns:p14="http://schemas.microsoft.com/office/powerpoint/2010/main" spd="slow"/>
+  <p:timing>
+    <p:tnLst>
+      <p:par>
+        <p:cTn xmlns:p14="http://schemas.microsoft.com/office/powerpoint/2010/main" id="1" dur="indefinite" restart="never" nodeType="tmRoot">
+          <p:childTnLst>
+            <p:seq concurrent="1" nextAc="seek">
+              <p:cTn id="2" dur="indefinite" nodeType="mainSeq">
+                <p:childTnLst>
+                  <p:par>
+                    <p:cTn id="3" fill="hold" nodeType="clickPar">
+                      <p:stCondLst>
+                        <p:cond delay="indefinite"/>
+                      </p:stCondLst>
+                      <p:childTnLst>
+                        <p:par>
+                          <p:cTn id="4" fill="hold" nodeType="withGroup">
+                            <p:stCondLst>
+                              <p:cond delay="0"/>
+                            </p:stCondLst>
+                            <p:childTnLst>
+                              <p:par>
+                                <p:cTn id="5" presetID="22" presetClass="entr" presetSubtype="8" fill="hold" grpId="0" nodeType="clickEffect">
+                                  <p:stCondLst>
+                                    <p:cond delay="0"/>
+                                  </p:stCondLst>
+                                  <p:childTnLst>
+                                    <p:set>
+                                      <p:cBhvr>
+                                        <p:cTn id="6" dur="1" fill="hold">
+                                          <p:stCondLst>
+                                            <p:cond delay="0"/>
+                                          </p:stCondLst>
+                                        </p:cTn>
+                                        <p:tgtEl>
+                                          <p:spTgt spid="3">
+                                            <p:txEl>
+                                              <p:pRg st="0" end="0"/>
+                                            </p:txEl>
+                                          </p:spTgt>
+                                        </p:tgtEl>
+                                        <p:attrNameLst>
+                                          <p:attrName>style.visibility</p:attrName>
+                                        </p:attrNameLst>
+                                      </p:cBhvr>
+                                      <p:to>
+                                        <p:strVal val="visible"/>
+                                      </p:to>
+                                    </p:set>
+                                    <p:animEffect transition="in" filter="wipe(left)">
+                                      <p:cBhvr>
+                                        <p:cTn id="7" dur="500"/>
+                                        <p:tgtEl>
+                                          <p:spTgt spid="3">
+                                            <p:txEl>
+                                              <p:pRg st="0" end="0"/>
+                                            </p:txEl>
+                                          </p:spTgt>
+                                        </p:tgtEl>
+                                      </p:cBhvr>
+                                    </p:animEffect>
+                                  </p:childTnLst>
+                                </p:cTn>
+                              </p:par>
+                              <p:par>
+                                <p:cTn id="8" presetID="22" presetClass="entr" presetSubtype="8" fill="hold" grpId="0" nodeType="withEffect">
+                                  <p:stCondLst>
+                                    <p:cond delay="0"/>
+                                  </p:stCondLst>
+                                  <p:childTnLst>
+                                    <p:set>
+                                      <p:cBhvr>
+                                        <p:cTn id="9" dur="1" fill="hold">
+                                          <p:stCondLst>
+                                            <p:cond delay="0"/>
+                                          </p:stCondLst>
+                                        </p:cTn>
+                                        <p:tgtEl>
+                                          <p:spTgt spid="3">
+                                            <p:txEl>
+                                              <p:pRg st="1" end="1"/>
+                                            </p:txEl>
+                                          </p:spTgt>
+                                        </p:tgtEl>
+                                        <p:attrNameLst>
+                                          <p:attrName>style.visibility</p:attrName>
+                                        </p:attrNameLst>
+                                      </p:cBhvr>
+                                      <p:to>
+                                        <p:strVal val="visible"/>
+                                      </p:to>
+                                    </p:set>
+                                    <p:animEffect transition="in" filter="wipe(left)">
+                                      <p:cBhvr>
+                                        <p:cTn id="10" dur="500"/>
+                                        <p:tgtEl>
+                                          <p:spTgt spid="3">
+                                            <p:txEl>
+                                              <p:pRg st="1" end="1"/>
+                                            </p:txEl>
+                                          </p:spTgt>
+                                        </p:tgtEl>
+                                      </p:cBhvr>
+                                    </p:animEffect>
+                                  </p:childTnLst>
+                                </p:cTn>
+                              </p:par>
+                            </p:childTnLst>
+                          </p:cTn>
+                        </p:par>
+                      </p:childTnLst>
+                    </p:cTn>
+                  </p:par>
+                  <p:par>
+                    <p:cTn id="11" fill="hold" nodeType="clickPar">
+                      <p:stCondLst>
+                        <p:cond delay="indefinite"/>
+                      </p:stCondLst>
+                      <p:childTnLst>
+                        <p:par>
+                          <p:cTn id="12" fill="hold" nodeType="withGroup">
+                            <p:stCondLst>
+                              <p:cond delay="0"/>
+                            </p:stCondLst>
+                            <p:childTnLst>
+                              <p:par>
+                                <p:cTn id="13" presetID="22" presetClass="entr" presetSubtype="8" fill="hold" grpId="0" nodeType="clickEffect">
+                                  <p:stCondLst>
+                                    <p:cond delay="0"/>
+                                  </p:stCondLst>
+                                  <p:childTnLst>
+                                    <p:set>
+                                      <p:cBhvr>
+                                        <p:cTn id="14" dur="1" fill="hold">
+                                          <p:stCondLst>
+                                            <p:cond delay="0"/>
+                                          </p:stCondLst>
+                                        </p:cTn>
+                                        <p:tgtEl>
+                                          <p:spTgt spid="3">
+                                            <p:txEl>
+                                              <p:pRg st="2" end="2"/>
+                                            </p:txEl>
+                                          </p:spTgt>
+                                        </p:tgtEl>
+                                        <p:attrNameLst>
+                                          <p:attrName>style.visibility</p:attrName>
+                                        </p:attrNameLst>
+                                      </p:cBhvr>
+                                      <p:to>
+                                        <p:strVal val="visible"/>
+                                      </p:to>
+                                    </p:set>
+                                    <p:animEffect transition="in" filter="wipe(left)">
+                                      <p:cBhvr>
+                                        <p:cTn id="15" dur="500"/>
+                                        <p:tgtEl>
+                                          <p:spTgt spid="3">
+                                            <p:txEl>
+                                              <p:pRg st="2" end="2"/>
+                                            </p:txEl>
+                                          </p:spTgt>
+                                        </p:tgtEl>
+                                      </p:cBhvr>
+                                    </p:animEffect>
+                                  </p:childTnLst>
+                                </p:cTn>
+                              </p:par>
+                            </p:childTnLst>
+                          </p:cTn>
+                        </p:par>
+                      </p:childTnLst>
+                    </p:cTn>
+                  </p:par>
+                  <p:par>
+                    <p:cTn id="16" fill="hold" nodeType="clickPar">
+                      <p:stCondLst>
+                        <p:cond delay="indefinite"/>
+                      </p:stCondLst>
+                      <p:childTnLst>
+                        <p:par>
+                          <p:cTn id="17" fill="hold" nodeType="withGroup">
+                            <p:stCondLst>
+                              <p:cond delay="0"/>
+                            </p:stCondLst>
+                            <p:childTnLst>
+                              <p:par>
+                                <p:cTn id="18" presetID="22" presetClass="entr" presetSubtype="8" fill="hold" grpId="0" nodeType="clickEffect">
+                                  <p:stCondLst>
+                                    <p:cond delay="0"/>
+                                  </p:stCondLst>
+                                  <p:childTnLst>
+                                    <p:set>
+                                      <p:cBhvr>
+                                        <p:cTn id="19" dur="1" fill="hold">
+                                          <p:stCondLst>
+                                            <p:cond delay="0"/>
+                                          </p:stCondLst>
+                                        </p:cTn>
+                                        <p:tgtEl>
+                                          <p:spTgt spid="3">
+                                            <p:txEl>
+                                              <p:pRg st="3" end="3"/>
+                                            </p:txEl>
+                                          </p:spTgt>
+                                        </p:tgtEl>
+                                        <p:attrNameLst>
+                                          <p:attrName>style.visibility</p:attrName>
+                                        </p:attrNameLst>
+                                      </p:cBhvr>
+                                      <p:to>
+                                        <p:strVal val="visible"/>
+                                      </p:to>
+                                    </p:set>
+                                    <p:animEffect transition="in" filter="wipe(left)">
+                                      <p:cBhvr>
+                                        <p:cTn id="20" dur="500"/>
+                                        <p:tgtEl>
+                                          <p:spTgt spid="3">
+                                            <p:txEl>
+                                              <p:pRg st="3" end="3"/>
+                                            </p:txEl>
+                                          </p:spTgt>
+                                        </p:tgtEl>
+                                      </p:cBhvr>
+                                    </p:animEffect>
+                                  </p:childTnLst>
+                                </p:cTn>
+                              </p:par>
+                            </p:childTnLst>
+                          </p:cTn>
+                        </p:par>
+                      </p:childTnLst>
+                    </p:cTn>
+                  </p:par>
+                </p:childTnLst>
+              </p:cTn>
+              <p:prevCondLst>
+                <p:cond evt="onPrev" delay="0">
+                  <p:tgtEl>
+                    <p:sldTgt/>
+                  </p:tgtEl>
+                </p:cond>
+              </p:prevCondLst>
+              <p:nextCondLst>
+                <p:cond evt="onNext" delay="0">
+                  <p:tgtEl>
+                    <p:sldTgt/>
+                  </p:tgtEl>
+                </p:cond>
+              </p:nextCondLst>
+            </p:seq>
+          </p:childTnLst>
+        </p:cTn>
+      </p:par>
+    </p:tnLst>
+    <p:bldLst>
+      <p:bldP spid="3" grpId="0" build="p"/>
+    </p:bldLst>
+  </p:timing>
+</p:sld>
+</file>
+
+<file path=ppt/slides/slide21.xml><?xml version="1.0" encoding="utf-8"?>
 <p:sld xmlns:a="http://schemas.openxmlformats.org/drawingml/2006/main" xmlns:r="http://schemas.openxmlformats.org/officeDocument/2006/relationships" xmlns:p="http://schemas.openxmlformats.org/presentationml/2006/main">
   <p:cSld>
     <p:spTree>
@@ -16027,7 +16857,7 @@
 </p:sld>
 </file>
 
-<file path=ppt/slides/slide21.xml><?xml version="1.0" encoding="utf-8"?>
+<file path=ppt/slides/slide22.xml><?xml version="1.0" encoding="utf-8"?>
 <p:sld xmlns:a="http://schemas.openxmlformats.org/drawingml/2006/main" xmlns:r="http://schemas.openxmlformats.org/officeDocument/2006/relationships" xmlns:p="http://schemas.openxmlformats.org/presentationml/2006/main">
   <p:cSld>
     <p:spTree>
@@ -16801,7 +17631,7 @@
 </p:sld>
 </file>
 
-<file path=ppt/slides/slide22.xml><?xml version="1.0" encoding="utf-8"?>
+<file path=ppt/slides/slide23.xml><?xml version="1.0" encoding="utf-8"?>
 <p:sld xmlns:a="http://schemas.openxmlformats.org/drawingml/2006/main" xmlns:r="http://schemas.openxmlformats.org/officeDocument/2006/relationships" xmlns:p="http://schemas.openxmlformats.org/presentationml/2006/main">
   <p:cSld>
     <p:spTree>
@@ -18753,7 +19583,7 @@
 </p:sld>
 </file>
 
-<file path=ppt/slides/slide23.xml><?xml version="1.0" encoding="utf-8"?>
+<file path=ppt/slides/slide24.xml><?xml version="1.0" encoding="utf-8"?>
 <p:sld xmlns:a="http://schemas.openxmlformats.org/drawingml/2006/main" xmlns:r="http://schemas.openxmlformats.org/officeDocument/2006/relationships" xmlns:p="http://schemas.openxmlformats.org/presentationml/2006/main" show="0">
   <p:cSld>
     <p:spTree>
@@ -19869,7 +20699,7 @@
 </p:sld>
 </file>
 
-<file path=ppt/slides/slide24.xml><?xml version="1.0" encoding="utf-8"?>
+<file path=ppt/slides/slide25.xml><?xml version="1.0" encoding="utf-8"?>
 <p:sld xmlns:a="http://schemas.openxmlformats.org/drawingml/2006/main" xmlns:r="http://schemas.openxmlformats.org/officeDocument/2006/relationships" xmlns:p="http://schemas.openxmlformats.org/presentationml/2006/main">
   <p:cSld>
     <p:spTree>
@@ -21438,7 +22268,7 @@
 </p:sld>
 </file>
 
-<file path=ppt/slides/slide25.xml><?xml version="1.0" encoding="utf-8"?>
+<file path=ppt/slides/slide26.xml><?xml version="1.0" encoding="utf-8"?>
 <p:sld xmlns:a="http://schemas.openxmlformats.org/drawingml/2006/main" xmlns:r="http://schemas.openxmlformats.org/officeDocument/2006/relationships" xmlns:p="http://schemas.openxmlformats.org/presentationml/2006/main">
   <p:cSld>
     <p:spTree>
@@ -22666,7 +23496,7 @@
 </p:sld>
 </file>
 
-<file path=ppt/slides/slide26.xml><?xml version="1.0" encoding="utf-8"?>
+<file path=ppt/slides/slide27.xml><?xml version="1.0" encoding="utf-8"?>
 <p:sld xmlns:a="http://schemas.openxmlformats.org/drawingml/2006/main" xmlns:r="http://schemas.openxmlformats.org/officeDocument/2006/relationships" xmlns:p="http://schemas.openxmlformats.org/presentationml/2006/main">
   <p:cSld>
     <p:spTree>
@@ -23704,7 +24534,7 @@
 </p:sld>
 </file>
 
-<file path=ppt/slides/slide27.xml><?xml version="1.0" encoding="utf-8"?>
+<file path=ppt/slides/slide28.xml><?xml version="1.0" encoding="utf-8"?>
 <p:sld xmlns:a="http://schemas.openxmlformats.org/drawingml/2006/main" xmlns:r="http://schemas.openxmlformats.org/officeDocument/2006/relationships" xmlns:p="http://schemas.openxmlformats.org/presentationml/2006/main">
   <p:cSld>
     <p:spTree>
@@ -24433,7 +25263,7 @@
 </p:sld>
 </file>
 
-<file path=ppt/slides/slide28.xml><?xml version="1.0" encoding="utf-8"?>
+<file path=ppt/slides/slide29.xml><?xml version="1.0" encoding="utf-8"?>
 <p:sld xmlns:a="http://schemas.openxmlformats.org/drawingml/2006/main" xmlns:r="http://schemas.openxmlformats.org/officeDocument/2006/relationships" xmlns:p="http://schemas.openxmlformats.org/presentationml/2006/main">
   <p:cSld>
     <p:spTree>

--- a/src/morea/materials/02-Intro-Java.pptx
+++ b/src/morea/materials/02-Intro-Java.pptx
@@ -19,8 +19,8 @@
     <p:sldId id="331" r:id="rId10"/>
     <p:sldId id="338" r:id="rId11"/>
     <p:sldId id="337" r:id="rId12"/>
-    <p:sldId id="347" r:id="rId13"/>
-    <p:sldId id="346" r:id="rId14"/>
+    <p:sldId id="346" r:id="rId13"/>
+    <p:sldId id="347" r:id="rId14"/>
     <p:sldId id="340" r:id="rId15"/>
     <p:sldId id="345" r:id="rId16"/>
     <p:sldId id="341" r:id="rId17"/>
@@ -220,7 +220,7 @@
           <a:p>
             <a:fld id="{BB6BAE91-212C-F34F-A74B-874A8C7A7F45}" type="datetimeFigureOut">
               <a:rPr lang="en-US" smtClean="0"/>
-              <a:t>1/27/15</a:t>
+              <a:t>1/28/15</a:t>
             </a:fld>
             <a:endParaRPr lang="en-US"/>
           </a:p>
@@ -6928,7 +6928,7 @@
       </p:grpSpPr>
       <p:sp>
         <p:nvSpPr>
-          <p:cNvPr id="32769" name="Slide Image Placeholder 1"/>
+          <p:cNvPr id="37889" name="Slide Image Placeholder 1"/>
           <p:cNvSpPr>
             <a:spLocks noGrp="1" noRot="1" noChangeAspect="1"/>
           </p:cNvSpPr>
@@ -6942,7 +6942,7 @@
       </p:sp>
       <p:sp>
         <p:nvSpPr>
-          <p:cNvPr id="32770" name="Notes Placeholder 2"/>
+          <p:cNvPr id="37890" name="Notes Placeholder 2"/>
           <p:cNvSpPr>
             <a:spLocks noGrp="1"/>
           </p:cNvSpPr>
@@ -6982,7 +6982,7 @@
                 <a:latin typeface="Times" charset="0"/>
                 <a:ea typeface="MS PGothic" charset="0"/>
               </a:rPr>
-              <a:t>Break out into groups for angry birds</a:t>
+              <a:t>Use the Word document handout for them to fill in classes, data, and behaviors</a:t>
             </a:r>
           </a:p>
           <a:p>
@@ -6997,14 +6997,8 @@
                 <a:latin typeface="Times" charset="0"/>
                 <a:ea typeface="MS PGothic" charset="0"/>
               </a:rPr>
-              <a:t>Use the Word document handout for them to fill in classes, data, and behaviors</a:t>
-            </a:r>
-          </a:p>
-          <a:p>
-            <a:endParaRPr lang="en-US" sz="1300">
-              <a:latin typeface="Times" charset="0"/>
-              <a:ea typeface="MS PGothic" charset="0"/>
-            </a:endParaRPr>
+              <a:t>Identify (~4+ minutes)</a:t>
+            </a:r>
           </a:p>
           <a:p>
             <a:r>
@@ -7012,14 +7006,32 @@
                 <a:latin typeface="Times" charset="0"/>
                 <a:ea typeface="MS PGothic" charset="0"/>
               </a:rPr>
-              <a:t>Go and Play the Wii ~15 minutes</a:t>
+              <a:t>Share/Group (3-4 people; ~6+ minutes)</a:t>
+            </a:r>
+          </a:p>
+          <a:p>
+            <a:r>
+              <a:rPr lang="en-US" sz="1300">
+                <a:latin typeface="Times" charset="0"/>
+                <a:ea typeface="MS PGothic" charset="0"/>
+              </a:rPr>
+              <a:t>Choose one from the group that everyone is pretty familiar with and write as much detail as you can on the board (~4 minutes)</a:t>
+            </a:r>
+          </a:p>
+          <a:p>
+            <a:r>
+              <a:rPr lang="en-US" sz="1300">
+                <a:latin typeface="Times" charset="0"/>
+                <a:ea typeface="MS PGothic" charset="0"/>
+              </a:rPr>
+              <a:t>Share/Class (~4+ minutes)</a:t>
             </a:r>
           </a:p>
         </p:txBody>
       </p:sp>
       <p:sp>
         <p:nvSpPr>
-          <p:cNvPr id="32771" name="Header Placeholder 3"/>
+          <p:cNvPr id="37891" name="Header Placeholder 3"/>
           <p:cNvSpPr>
             <a:spLocks noGrp="1"/>
           </p:cNvSpPr>
@@ -7178,7 +7190,7 @@
       </p:sp>
       <p:sp>
         <p:nvSpPr>
-          <p:cNvPr id="32772" name="Footer Placeholder 4"/>
+          <p:cNvPr id="37892" name="Footer Placeholder 4"/>
           <p:cNvSpPr>
             <a:spLocks noGrp="1"/>
           </p:cNvSpPr>
@@ -7337,7 +7349,7 @@
       </p:sp>
       <p:sp>
         <p:nvSpPr>
-          <p:cNvPr id="32773" name="Slide Number Placeholder 5"/>
+          <p:cNvPr id="37893" name="Slide Number Placeholder 5"/>
           <p:cNvSpPr>
             <a:spLocks noGrp="1"/>
           </p:cNvSpPr>
@@ -7487,7 +7499,7 @@
             </a:lvl9pPr>
           </a:lstStyle>
           <a:p>
-            <a:fld id="{C7257D76-9D4B-9C41-AC0B-AA8153B89D9D}" type="slidenum">
+            <a:fld id="{1297B27E-3771-B14D-BFA4-980F7083AB58}" type="slidenum">
               <a:rPr lang="en-GB" sz="1200"/>
               <a:pPr/>
               <a:t>12</a:t>
@@ -7523,7 +7535,7 @@
       </p:grpSpPr>
       <p:sp>
         <p:nvSpPr>
-          <p:cNvPr id="37889" name="Slide Image Placeholder 1"/>
+          <p:cNvPr id="32769" name="Slide Image Placeholder 1"/>
           <p:cNvSpPr>
             <a:spLocks noGrp="1" noRot="1" noChangeAspect="1"/>
           </p:cNvSpPr>
@@ -7537,7 +7549,7 @@
       </p:sp>
       <p:sp>
         <p:nvSpPr>
-          <p:cNvPr id="37890" name="Notes Placeholder 2"/>
+          <p:cNvPr id="32770" name="Notes Placeholder 2"/>
           <p:cNvSpPr>
             <a:spLocks noGrp="1"/>
           </p:cNvSpPr>
@@ -7577,7 +7589,7 @@
                 <a:latin typeface="Times" charset="0"/>
                 <a:ea typeface="MS PGothic" charset="0"/>
               </a:rPr>
-              <a:t>Use the Word document handout for them to fill in classes, data, and behaviors</a:t>
+              <a:t>Break out into groups for angry birds</a:t>
             </a:r>
           </a:p>
           <a:p>
@@ -7592,8 +7604,14 @@
                 <a:latin typeface="Times" charset="0"/>
                 <a:ea typeface="MS PGothic" charset="0"/>
               </a:rPr>
-              <a:t>Identify (~4+ minutes)</a:t>
-            </a:r>
+              <a:t>Use the Word document handout for them to fill in classes, data, and behaviors</a:t>
+            </a:r>
+          </a:p>
+          <a:p>
+            <a:endParaRPr lang="en-US" sz="1300">
+              <a:latin typeface="Times" charset="0"/>
+              <a:ea typeface="MS PGothic" charset="0"/>
+            </a:endParaRPr>
           </a:p>
           <a:p>
             <a:r>
@@ -7601,32 +7619,14 @@
                 <a:latin typeface="Times" charset="0"/>
                 <a:ea typeface="MS PGothic" charset="0"/>
               </a:rPr>
-              <a:t>Share/Group (3-4 people; ~6+ minutes)</a:t>
-            </a:r>
-          </a:p>
-          <a:p>
-            <a:r>
-              <a:rPr lang="en-US" sz="1300">
-                <a:latin typeface="Times" charset="0"/>
-                <a:ea typeface="MS PGothic" charset="0"/>
-              </a:rPr>
-              <a:t>Choose one from the group that everyone is pretty familiar with and write as much detail as you can on the board (~4 minutes)</a:t>
-            </a:r>
-          </a:p>
-          <a:p>
-            <a:r>
-              <a:rPr lang="en-US" sz="1300">
-                <a:latin typeface="Times" charset="0"/>
-                <a:ea typeface="MS PGothic" charset="0"/>
-              </a:rPr>
-              <a:t>Share/Class (~4+ minutes)</a:t>
+              <a:t>Go and Play the Wii ~15 minutes</a:t>
             </a:r>
           </a:p>
         </p:txBody>
       </p:sp>
       <p:sp>
         <p:nvSpPr>
-          <p:cNvPr id="37891" name="Header Placeholder 3"/>
+          <p:cNvPr id="32771" name="Header Placeholder 3"/>
           <p:cNvSpPr>
             <a:spLocks noGrp="1"/>
           </p:cNvSpPr>
@@ -7785,7 +7785,7 @@
       </p:sp>
       <p:sp>
         <p:nvSpPr>
-          <p:cNvPr id="37892" name="Footer Placeholder 4"/>
+          <p:cNvPr id="32772" name="Footer Placeholder 4"/>
           <p:cNvSpPr>
             <a:spLocks noGrp="1"/>
           </p:cNvSpPr>
@@ -7944,7 +7944,7 @@
       </p:sp>
       <p:sp>
         <p:nvSpPr>
-          <p:cNvPr id="37893" name="Slide Number Placeholder 5"/>
+          <p:cNvPr id="32773" name="Slide Number Placeholder 5"/>
           <p:cNvSpPr>
             <a:spLocks noGrp="1"/>
           </p:cNvSpPr>
@@ -8094,7 +8094,7 @@
             </a:lvl9pPr>
           </a:lstStyle>
           <a:p>
-            <a:fld id="{1297B27E-3771-B14D-BFA4-980F7083AB58}" type="slidenum">
+            <a:fld id="{C7257D76-9D4B-9C41-AC0B-AA8153B89D9D}" type="slidenum">
               <a:rPr lang="en-GB" sz="1200"/>
               <a:pPr/>
               <a:t>13</a:t>
@@ -8811,7 +8811,7 @@
           <a:p>
             <a:fld id="{95D0A52A-683A-E348-B00D-319C34B8C99A}" type="datetimeFigureOut">
               <a:rPr lang="en-US" smtClean="0"/>
-              <a:t>1/27/15</a:t>
+              <a:t>1/28/15</a:t>
             </a:fld>
             <a:endParaRPr lang="en-US"/>
           </a:p>
@@ -8981,7 +8981,7 @@
           <a:p>
             <a:fld id="{95D0A52A-683A-E348-B00D-319C34B8C99A}" type="datetimeFigureOut">
               <a:rPr lang="en-US" smtClean="0"/>
-              <a:t>1/27/15</a:t>
+              <a:t>1/28/15</a:t>
             </a:fld>
             <a:endParaRPr lang="en-US"/>
           </a:p>
@@ -9161,7 +9161,7 @@
           <a:p>
             <a:fld id="{95D0A52A-683A-E348-B00D-319C34B8C99A}" type="datetimeFigureOut">
               <a:rPr lang="en-US" smtClean="0"/>
-              <a:t>1/27/15</a:t>
+              <a:t>1/28/15</a:t>
             </a:fld>
             <a:endParaRPr lang="en-US"/>
           </a:p>
@@ -9554,7 +9554,7 @@
           <a:p>
             <a:fld id="{95D0A52A-683A-E348-B00D-319C34B8C99A}" type="datetimeFigureOut">
               <a:rPr lang="en-US" smtClean="0"/>
-              <a:t>1/27/15</a:t>
+              <a:t>1/28/15</a:t>
             </a:fld>
             <a:endParaRPr lang="en-US"/>
           </a:p>
@@ -9800,7 +9800,7 @@
           <a:p>
             <a:fld id="{95D0A52A-683A-E348-B00D-319C34B8C99A}" type="datetimeFigureOut">
               <a:rPr lang="en-US" smtClean="0"/>
-              <a:t>1/27/15</a:t>
+              <a:t>1/28/15</a:t>
             </a:fld>
             <a:endParaRPr lang="en-US"/>
           </a:p>
@@ -10088,7 +10088,7 @@
           <a:p>
             <a:fld id="{95D0A52A-683A-E348-B00D-319C34B8C99A}" type="datetimeFigureOut">
               <a:rPr lang="en-US" smtClean="0"/>
-              <a:t>1/27/15</a:t>
+              <a:t>1/28/15</a:t>
             </a:fld>
             <a:endParaRPr lang="en-US"/>
           </a:p>
@@ -10510,7 +10510,7 @@
           <a:p>
             <a:fld id="{95D0A52A-683A-E348-B00D-319C34B8C99A}" type="datetimeFigureOut">
               <a:rPr lang="en-US" smtClean="0"/>
-              <a:t>1/27/15</a:t>
+              <a:t>1/28/15</a:t>
             </a:fld>
             <a:endParaRPr lang="en-US"/>
           </a:p>
@@ -10628,7 +10628,7 @@
           <a:p>
             <a:fld id="{95D0A52A-683A-E348-B00D-319C34B8C99A}" type="datetimeFigureOut">
               <a:rPr lang="en-US" smtClean="0"/>
-              <a:t>1/27/15</a:t>
+              <a:t>1/28/15</a:t>
             </a:fld>
             <a:endParaRPr lang="en-US"/>
           </a:p>
@@ -10723,7 +10723,7 @@
           <a:p>
             <a:fld id="{95D0A52A-683A-E348-B00D-319C34B8C99A}" type="datetimeFigureOut">
               <a:rPr lang="en-US" smtClean="0"/>
-              <a:t>1/27/15</a:t>
+              <a:t>1/28/15</a:t>
             </a:fld>
             <a:endParaRPr lang="en-US"/>
           </a:p>
@@ -11000,7 +11000,7 @@
           <a:p>
             <a:fld id="{95D0A52A-683A-E348-B00D-319C34B8C99A}" type="datetimeFigureOut">
               <a:rPr lang="en-US" smtClean="0"/>
-              <a:t>1/27/15</a:t>
+              <a:t>1/28/15</a:t>
             </a:fld>
             <a:endParaRPr lang="en-US"/>
           </a:p>
@@ -11253,7 +11253,7 @@
           <a:p>
             <a:fld id="{95D0A52A-683A-E348-B00D-319C34B8C99A}" type="datetimeFigureOut">
               <a:rPr lang="en-US" smtClean="0"/>
-              <a:t>1/27/15</a:t>
+              <a:t>1/28/15</a:t>
             </a:fld>
             <a:endParaRPr lang="en-US"/>
           </a:p>
@@ -11466,7 +11466,7 @@
           <a:p>
             <a:fld id="{95D0A52A-683A-E348-B00D-319C34B8C99A}" type="datetimeFigureOut">
               <a:rPr lang="en-US" smtClean="0"/>
-              <a:t>1/27/15</a:t>
+              <a:t>1/28/15</a:t>
             </a:fld>
             <a:endParaRPr lang="en-US"/>
           </a:p>
@@ -12926,442 +12926,6 @@
       </p:grpSpPr>
       <p:sp>
         <p:nvSpPr>
-          <p:cNvPr id="31745" name="Title 1"/>
-          <p:cNvSpPr>
-            <a:spLocks noGrp="1"/>
-          </p:cNvSpPr>
-          <p:nvPr>
-            <p:ph type="title"/>
-          </p:nvPr>
-        </p:nvSpPr>
-        <p:spPr/>
-        <p:txBody>
-          <a:bodyPr/>
-          <a:lstStyle/>
-          <a:p>
-            <a:pPr eaLnBrk="1" hangingPunct="1"/>
-            <a:r>
-              <a:rPr lang="en-US" dirty="0" smtClean="0">
-                <a:latin typeface="Calibri"/>
-                <a:ea typeface="MS PGothic" charset="0"/>
-                <a:cs typeface="Calibri"/>
-              </a:rPr>
-              <a:t>Game: Identify…</a:t>
-            </a:r>
-            <a:endParaRPr lang="en-US" dirty="0">
-              <a:latin typeface="Calibri"/>
-              <a:ea typeface="MS PGothic" charset="0"/>
-              <a:cs typeface="Calibri"/>
-            </a:endParaRPr>
-          </a:p>
-        </p:txBody>
-      </p:sp>
-      <p:sp>
-        <p:nvSpPr>
-          <p:cNvPr id="3" name="Content Placeholder 2"/>
-          <p:cNvSpPr>
-            <a:spLocks noGrp="1"/>
-          </p:cNvSpPr>
-          <p:nvPr>
-            <p:ph idx="1"/>
-          </p:nvPr>
-        </p:nvSpPr>
-        <p:spPr>
-          <a:xfrm>
-            <a:off x="2470506" y="1600200"/>
-            <a:ext cx="4026613" cy="4525963"/>
-          </a:xfrm>
-        </p:spPr>
-        <p:txBody>
-          <a:bodyPr/>
-          <a:lstStyle/>
-          <a:p>
-            <a:pPr eaLnBrk="1" hangingPunct="1"/>
-            <a:r>
-              <a:rPr lang="en-US" dirty="0" smtClean="0">
-                <a:latin typeface="Calibri"/>
-                <a:ea typeface="MS PGothic" charset="0"/>
-                <a:cs typeface="Calibri"/>
-              </a:rPr>
-              <a:t>Classes</a:t>
-            </a:r>
-            <a:endParaRPr lang="en-US" dirty="0">
-              <a:latin typeface="Calibri"/>
-              <a:ea typeface="MS PGothic" charset="0"/>
-              <a:cs typeface="Calibri"/>
-            </a:endParaRPr>
-          </a:p>
-          <a:p>
-            <a:pPr eaLnBrk="1" hangingPunct="1"/>
-            <a:r>
-              <a:rPr lang="en-US" dirty="0">
-                <a:latin typeface="Calibri"/>
-                <a:ea typeface="MS PGothic" charset="0"/>
-                <a:cs typeface="Calibri"/>
-              </a:rPr>
-              <a:t>Behaviors/</a:t>
-            </a:r>
-            <a:r>
-              <a:rPr lang="en-US" dirty="0" smtClean="0">
-                <a:latin typeface="Calibri"/>
-                <a:ea typeface="MS PGothic" charset="0"/>
-                <a:cs typeface="Calibri"/>
-              </a:rPr>
-              <a:t>actions</a:t>
-            </a:r>
-            <a:endParaRPr lang="en-US" dirty="0">
-              <a:latin typeface="Calibri"/>
-              <a:ea typeface="MS PGothic" charset="0"/>
-              <a:cs typeface="Calibri"/>
-            </a:endParaRPr>
-          </a:p>
-          <a:p>
-            <a:pPr eaLnBrk="1" hangingPunct="1"/>
-            <a:r>
-              <a:rPr lang="en-US" dirty="0">
-                <a:latin typeface="Calibri"/>
-                <a:ea typeface="MS PGothic" charset="0"/>
-                <a:cs typeface="Calibri"/>
-              </a:rPr>
-              <a:t>Information/</a:t>
-            </a:r>
-            <a:r>
-              <a:rPr lang="en-US" dirty="0" smtClean="0">
-                <a:latin typeface="Calibri"/>
-                <a:ea typeface="MS PGothic" charset="0"/>
-                <a:cs typeface="Calibri"/>
-              </a:rPr>
-              <a:t>data</a:t>
-            </a:r>
-            <a:endParaRPr lang="en-US" dirty="0">
-              <a:latin typeface="Calibri"/>
-              <a:ea typeface="MS PGothic" charset="0"/>
-              <a:cs typeface="Calibri"/>
-            </a:endParaRPr>
-          </a:p>
-          <a:p>
-            <a:pPr eaLnBrk="1" hangingPunct="1"/>
-            <a:r>
-              <a:rPr lang="en-US" dirty="0">
-                <a:latin typeface="Calibri"/>
-                <a:ea typeface="MS PGothic" charset="0"/>
-                <a:cs typeface="Calibri"/>
-              </a:rPr>
-              <a:t>Input/output</a:t>
-            </a:r>
-          </a:p>
-        </p:txBody>
-      </p:sp>
-    </p:spTree>
-    <p:extLst>
-      <p:ext uri="{BB962C8B-B14F-4D97-AF65-F5344CB8AC3E}">
-        <p14:creationId xmlns:p14="http://schemas.microsoft.com/office/powerpoint/2010/main" val="1860876642"/>
-      </p:ext>
-    </p:extLst>
-  </p:cSld>
-  <p:clrMapOvr>
-    <a:masterClrMapping/>
-  </p:clrMapOvr>
-  <p:transition xmlns:p14="http://schemas.microsoft.com/office/powerpoint/2010/main" spd="slow"/>
-  <p:timing>
-    <p:tnLst>
-      <p:par>
-        <p:cTn xmlns:p14="http://schemas.microsoft.com/office/powerpoint/2010/main" id="1" dur="indefinite" restart="never" nodeType="tmRoot">
-          <p:childTnLst>
-            <p:seq concurrent="1" nextAc="seek">
-              <p:cTn id="2" dur="indefinite" nodeType="mainSeq">
-                <p:childTnLst>
-                  <p:par>
-                    <p:cTn id="3" fill="hold" nodeType="clickPar">
-                      <p:stCondLst>
-                        <p:cond delay="indefinite"/>
-                      </p:stCondLst>
-                      <p:childTnLst>
-                        <p:par>
-                          <p:cTn id="4" fill="hold" nodeType="withGroup">
-                            <p:stCondLst>
-                              <p:cond delay="0"/>
-                            </p:stCondLst>
-                            <p:childTnLst>
-                              <p:par>
-                                <p:cTn id="5" presetID="22" presetClass="entr" presetSubtype="8" fill="hold" grpId="0" nodeType="clickEffect">
-                                  <p:stCondLst>
-                                    <p:cond delay="0"/>
-                                  </p:stCondLst>
-                                  <p:childTnLst>
-                                    <p:set>
-                                      <p:cBhvr>
-                                        <p:cTn id="6" dur="1" fill="hold">
-                                          <p:stCondLst>
-                                            <p:cond delay="0"/>
-                                          </p:stCondLst>
-                                        </p:cTn>
-                                        <p:tgtEl>
-                                          <p:spTgt spid="3">
-                                            <p:txEl>
-                                              <p:pRg st="0" end="0"/>
-                                            </p:txEl>
-                                          </p:spTgt>
-                                        </p:tgtEl>
-                                        <p:attrNameLst>
-                                          <p:attrName>style.visibility</p:attrName>
-                                        </p:attrNameLst>
-                                      </p:cBhvr>
-                                      <p:to>
-                                        <p:strVal val="visible"/>
-                                      </p:to>
-                                    </p:set>
-                                    <p:animEffect transition="in" filter="wipe(left)">
-                                      <p:cBhvr>
-                                        <p:cTn id="7" dur="500"/>
-                                        <p:tgtEl>
-                                          <p:spTgt spid="3">
-                                            <p:txEl>
-                                              <p:pRg st="0" end="0"/>
-                                            </p:txEl>
-                                          </p:spTgt>
-                                        </p:tgtEl>
-                                      </p:cBhvr>
-                                    </p:animEffect>
-                                  </p:childTnLst>
-                                </p:cTn>
-                              </p:par>
-                            </p:childTnLst>
-                          </p:cTn>
-                        </p:par>
-                      </p:childTnLst>
-                    </p:cTn>
-                  </p:par>
-                  <p:par>
-                    <p:cTn id="8" fill="hold" nodeType="clickPar">
-                      <p:stCondLst>
-                        <p:cond delay="indefinite"/>
-                      </p:stCondLst>
-                      <p:childTnLst>
-                        <p:par>
-                          <p:cTn id="9" fill="hold" nodeType="withGroup">
-                            <p:stCondLst>
-                              <p:cond delay="0"/>
-                            </p:stCondLst>
-                            <p:childTnLst>
-                              <p:par>
-                                <p:cTn id="10" presetID="22" presetClass="entr" presetSubtype="8" fill="hold" grpId="0" nodeType="clickEffect">
-                                  <p:stCondLst>
-                                    <p:cond delay="0"/>
-                                  </p:stCondLst>
-                                  <p:childTnLst>
-                                    <p:set>
-                                      <p:cBhvr>
-                                        <p:cTn id="11" dur="1" fill="hold">
-                                          <p:stCondLst>
-                                            <p:cond delay="0"/>
-                                          </p:stCondLst>
-                                        </p:cTn>
-                                        <p:tgtEl>
-                                          <p:spTgt spid="3">
-                                            <p:txEl>
-                                              <p:pRg st="1" end="1"/>
-                                            </p:txEl>
-                                          </p:spTgt>
-                                        </p:tgtEl>
-                                        <p:attrNameLst>
-                                          <p:attrName>style.visibility</p:attrName>
-                                        </p:attrNameLst>
-                                      </p:cBhvr>
-                                      <p:to>
-                                        <p:strVal val="visible"/>
-                                      </p:to>
-                                    </p:set>
-                                    <p:animEffect transition="in" filter="wipe(left)">
-                                      <p:cBhvr>
-                                        <p:cTn id="12" dur="500"/>
-                                        <p:tgtEl>
-                                          <p:spTgt spid="3">
-                                            <p:txEl>
-                                              <p:pRg st="1" end="1"/>
-                                            </p:txEl>
-                                          </p:spTgt>
-                                        </p:tgtEl>
-                                      </p:cBhvr>
-                                    </p:animEffect>
-                                  </p:childTnLst>
-                                </p:cTn>
-                              </p:par>
-                            </p:childTnLst>
-                          </p:cTn>
-                        </p:par>
-                      </p:childTnLst>
-                    </p:cTn>
-                  </p:par>
-                  <p:par>
-                    <p:cTn id="13" fill="hold" nodeType="clickPar">
-                      <p:stCondLst>
-                        <p:cond delay="indefinite"/>
-                      </p:stCondLst>
-                      <p:childTnLst>
-                        <p:par>
-                          <p:cTn id="14" fill="hold" nodeType="withGroup">
-                            <p:stCondLst>
-                              <p:cond delay="0"/>
-                            </p:stCondLst>
-                            <p:childTnLst>
-                              <p:par>
-                                <p:cTn id="15" presetID="22" presetClass="entr" presetSubtype="8" fill="hold" grpId="0" nodeType="clickEffect">
-                                  <p:stCondLst>
-                                    <p:cond delay="0"/>
-                                  </p:stCondLst>
-                                  <p:childTnLst>
-                                    <p:set>
-                                      <p:cBhvr>
-                                        <p:cTn id="16" dur="1" fill="hold">
-                                          <p:stCondLst>
-                                            <p:cond delay="0"/>
-                                          </p:stCondLst>
-                                        </p:cTn>
-                                        <p:tgtEl>
-                                          <p:spTgt spid="3">
-                                            <p:txEl>
-                                              <p:pRg st="2" end="2"/>
-                                            </p:txEl>
-                                          </p:spTgt>
-                                        </p:tgtEl>
-                                        <p:attrNameLst>
-                                          <p:attrName>style.visibility</p:attrName>
-                                        </p:attrNameLst>
-                                      </p:cBhvr>
-                                      <p:to>
-                                        <p:strVal val="visible"/>
-                                      </p:to>
-                                    </p:set>
-                                    <p:animEffect transition="in" filter="wipe(left)">
-                                      <p:cBhvr>
-                                        <p:cTn id="17" dur="500"/>
-                                        <p:tgtEl>
-                                          <p:spTgt spid="3">
-                                            <p:txEl>
-                                              <p:pRg st="2" end="2"/>
-                                            </p:txEl>
-                                          </p:spTgt>
-                                        </p:tgtEl>
-                                      </p:cBhvr>
-                                    </p:animEffect>
-                                  </p:childTnLst>
-                                </p:cTn>
-                              </p:par>
-                            </p:childTnLst>
-                          </p:cTn>
-                        </p:par>
-                      </p:childTnLst>
-                    </p:cTn>
-                  </p:par>
-                  <p:par>
-                    <p:cTn id="18" fill="hold" nodeType="clickPar">
-                      <p:stCondLst>
-                        <p:cond delay="indefinite"/>
-                      </p:stCondLst>
-                      <p:childTnLst>
-                        <p:par>
-                          <p:cTn id="19" fill="hold" nodeType="withGroup">
-                            <p:stCondLst>
-                              <p:cond delay="0"/>
-                            </p:stCondLst>
-                            <p:childTnLst>
-                              <p:par>
-                                <p:cTn id="20" presetID="22" presetClass="entr" presetSubtype="8" fill="hold" grpId="0" nodeType="clickEffect">
-                                  <p:stCondLst>
-                                    <p:cond delay="0"/>
-                                  </p:stCondLst>
-                                  <p:childTnLst>
-                                    <p:set>
-                                      <p:cBhvr>
-                                        <p:cTn id="21" dur="1" fill="hold">
-                                          <p:stCondLst>
-                                            <p:cond delay="0"/>
-                                          </p:stCondLst>
-                                        </p:cTn>
-                                        <p:tgtEl>
-                                          <p:spTgt spid="3">
-                                            <p:txEl>
-                                              <p:pRg st="3" end="3"/>
-                                            </p:txEl>
-                                          </p:spTgt>
-                                        </p:tgtEl>
-                                        <p:attrNameLst>
-                                          <p:attrName>style.visibility</p:attrName>
-                                        </p:attrNameLst>
-                                      </p:cBhvr>
-                                      <p:to>
-                                        <p:strVal val="visible"/>
-                                      </p:to>
-                                    </p:set>
-                                    <p:animEffect transition="in" filter="wipe(left)">
-                                      <p:cBhvr>
-                                        <p:cTn id="22" dur="500"/>
-                                        <p:tgtEl>
-                                          <p:spTgt spid="3">
-                                            <p:txEl>
-                                              <p:pRg st="3" end="3"/>
-                                            </p:txEl>
-                                          </p:spTgt>
-                                        </p:tgtEl>
-                                      </p:cBhvr>
-                                    </p:animEffect>
-                                  </p:childTnLst>
-                                </p:cTn>
-                              </p:par>
-                            </p:childTnLst>
-                          </p:cTn>
-                        </p:par>
-                      </p:childTnLst>
-                    </p:cTn>
-                  </p:par>
-                </p:childTnLst>
-              </p:cTn>
-              <p:prevCondLst>
-                <p:cond evt="onPrev" delay="0">
-                  <p:tgtEl>
-                    <p:sldTgt/>
-                  </p:tgtEl>
-                </p:cond>
-              </p:prevCondLst>
-              <p:nextCondLst>
-                <p:cond evt="onNext" delay="0">
-                  <p:tgtEl>
-                    <p:sldTgt/>
-                  </p:tgtEl>
-                </p:cond>
-              </p:nextCondLst>
-            </p:seq>
-          </p:childTnLst>
-        </p:cTn>
-      </p:par>
-    </p:tnLst>
-    <p:bldLst>
-      <p:bldP spid="3" grpId="0" build="p"/>
-    </p:bldLst>
-  </p:timing>
-</p:sld>
-</file>
-
-<file path=ppt/slides/slide13.xml><?xml version="1.0" encoding="utf-8"?>
-<p:sld xmlns:a="http://schemas.openxmlformats.org/drawingml/2006/main" xmlns:r="http://schemas.openxmlformats.org/officeDocument/2006/relationships" xmlns:p="http://schemas.openxmlformats.org/presentationml/2006/main">
-  <p:cSld>
-    <p:spTree>
-      <p:nvGrpSpPr>
-        <p:cNvPr id="1" name=""/>
-        <p:cNvGrpSpPr/>
-        <p:nvPr/>
-      </p:nvGrpSpPr>
-      <p:grpSpPr>
-        <a:xfrm>
-          <a:off x="0" y="0"/>
-          <a:ext cx="0" cy="0"/>
-          <a:chOff x="0" y="0"/>
-          <a:chExt cx="0" cy="0"/>
-        </a:xfrm>
-      </p:grpSpPr>
-      <p:sp>
-        <p:nvSpPr>
           <p:cNvPr id="36865" name="Title 1"/>
           <p:cNvSpPr>
             <a:spLocks noGrp="1"/>
@@ -13912,6 +13476,463 @@
                                           <p:spTgt spid="3">
                                             <p:txEl>
                                               <p:pRg st="7" end="7"/>
+                                            </p:txEl>
+                                          </p:spTgt>
+                                        </p:tgtEl>
+                                      </p:cBhvr>
+                                    </p:animEffect>
+                                  </p:childTnLst>
+                                </p:cTn>
+                              </p:par>
+                            </p:childTnLst>
+                          </p:cTn>
+                        </p:par>
+                      </p:childTnLst>
+                    </p:cTn>
+                  </p:par>
+                </p:childTnLst>
+              </p:cTn>
+              <p:prevCondLst>
+                <p:cond evt="onPrev" delay="0">
+                  <p:tgtEl>
+                    <p:sldTgt/>
+                  </p:tgtEl>
+                </p:cond>
+              </p:prevCondLst>
+              <p:nextCondLst>
+                <p:cond evt="onNext" delay="0">
+                  <p:tgtEl>
+                    <p:sldTgt/>
+                  </p:tgtEl>
+                </p:cond>
+              </p:nextCondLst>
+            </p:seq>
+          </p:childTnLst>
+        </p:cTn>
+      </p:par>
+    </p:tnLst>
+    <p:bldLst>
+      <p:bldP spid="3" grpId="0" build="p"/>
+    </p:bldLst>
+  </p:timing>
+</p:sld>
+</file>
+
+<file path=ppt/slides/slide13.xml><?xml version="1.0" encoding="utf-8"?>
+<p:sld xmlns:a="http://schemas.openxmlformats.org/drawingml/2006/main" xmlns:r="http://schemas.openxmlformats.org/officeDocument/2006/relationships" xmlns:p="http://schemas.openxmlformats.org/presentationml/2006/main">
+  <p:cSld>
+    <p:spTree>
+      <p:nvGrpSpPr>
+        <p:cNvPr id="1" name=""/>
+        <p:cNvGrpSpPr/>
+        <p:nvPr/>
+      </p:nvGrpSpPr>
+      <p:grpSpPr>
+        <a:xfrm>
+          <a:off x="0" y="0"/>
+          <a:ext cx="0" cy="0"/>
+          <a:chOff x="0" y="0"/>
+          <a:chExt cx="0" cy="0"/>
+        </a:xfrm>
+      </p:grpSpPr>
+      <p:sp>
+        <p:nvSpPr>
+          <p:cNvPr id="31745" name="Title 1"/>
+          <p:cNvSpPr>
+            <a:spLocks noGrp="1"/>
+          </p:cNvSpPr>
+          <p:nvPr>
+            <p:ph type="title"/>
+          </p:nvPr>
+        </p:nvSpPr>
+        <p:spPr/>
+        <p:txBody>
+          <a:bodyPr/>
+          <a:lstStyle/>
+          <a:p>
+            <a:pPr eaLnBrk="1" hangingPunct="1"/>
+            <a:r>
+              <a:rPr lang="en-US" dirty="0" smtClean="0">
+                <a:latin typeface="Calibri"/>
+                <a:ea typeface="MS PGothic" charset="0"/>
+                <a:cs typeface="Calibri"/>
+              </a:rPr>
+              <a:t>Game: Identify…</a:t>
+            </a:r>
+            <a:endParaRPr lang="en-US" dirty="0">
+              <a:latin typeface="Calibri"/>
+              <a:ea typeface="MS PGothic" charset="0"/>
+              <a:cs typeface="Calibri"/>
+            </a:endParaRPr>
+          </a:p>
+        </p:txBody>
+      </p:sp>
+      <p:sp>
+        <p:nvSpPr>
+          <p:cNvPr id="3" name="Content Placeholder 2"/>
+          <p:cNvSpPr>
+            <a:spLocks noGrp="1"/>
+          </p:cNvSpPr>
+          <p:nvPr>
+            <p:ph idx="1"/>
+          </p:nvPr>
+        </p:nvSpPr>
+        <p:spPr>
+          <a:xfrm>
+            <a:off x="2470506" y="1600200"/>
+            <a:ext cx="4026613" cy="4525963"/>
+          </a:xfrm>
+        </p:spPr>
+        <p:txBody>
+          <a:bodyPr/>
+          <a:lstStyle/>
+          <a:p>
+            <a:pPr eaLnBrk="1" hangingPunct="1"/>
+            <a:r>
+              <a:rPr lang="en-US" dirty="0" smtClean="0">
+                <a:latin typeface="Calibri"/>
+                <a:ea typeface="MS PGothic" charset="0"/>
+                <a:cs typeface="Calibri"/>
+              </a:rPr>
+              <a:t>Classes</a:t>
+            </a:r>
+            <a:endParaRPr lang="en-US" dirty="0">
+              <a:latin typeface="Calibri"/>
+              <a:ea typeface="MS PGothic" charset="0"/>
+              <a:cs typeface="Calibri"/>
+            </a:endParaRPr>
+          </a:p>
+          <a:p>
+            <a:pPr eaLnBrk="1" hangingPunct="1"/>
+            <a:r>
+              <a:rPr lang="en-US" dirty="0">
+                <a:latin typeface="Calibri"/>
+                <a:ea typeface="MS PGothic" charset="0"/>
+                <a:cs typeface="Calibri"/>
+              </a:rPr>
+              <a:t>Behaviors/</a:t>
+            </a:r>
+            <a:r>
+              <a:rPr lang="en-US" dirty="0" smtClean="0">
+                <a:latin typeface="Calibri"/>
+                <a:ea typeface="MS PGothic" charset="0"/>
+                <a:cs typeface="Calibri"/>
+              </a:rPr>
+              <a:t>actions</a:t>
+            </a:r>
+            <a:endParaRPr lang="en-US" dirty="0">
+              <a:latin typeface="Calibri"/>
+              <a:ea typeface="MS PGothic" charset="0"/>
+              <a:cs typeface="Calibri"/>
+            </a:endParaRPr>
+          </a:p>
+          <a:p>
+            <a:pPr eaLnBrk="1" hangingPunct="1"/>
+            <a:r>
+              <a:rPr lang="en-US" dirty="0">
+                <a:latin typeface="Calibri"/>
+                <a:ea typeface="MS PGothic" charset="0"/>
+                <a:cs typeface="Calibri"/>
+              </a:rPr>
+              <a:t>Information/</a:t>
+            </a:r>
+            <a:r>
+              <a:rPr lang="en-US" dirty="0" smtClean="0">
+                <a:latin typeface="Calibri"/>
+                <a:ea typeface="MS PGothic" charset="0"/>
+                <a:cs typeface="Calibri"/>
+              </a:rPr>
+              <a:t>data</a:t>
+            </a:r>
+            <a:endParaRPr lang="en-US" dirty="0">
+              <a:latin typeface="Calibri"/>
+              <a:ea typeface="MS PGothic" charset="0"/>
+              <a:cs typeface="Calibri"/>
+            </a:endParaRPr>
+          </a:p>
+          <a:p>
+            <a:pPr eaLnBrk="1" hangingPunct="1"/>
+            <a:r>
+              <a:rPr lang="en-US" dirty="0">
+                <a:latin typeface="Calibri"/>
+                <a:ea typeface="MS PGothic" charset="0"/>
+                <a:cs typeface="Calibri"/>
+              </a:rPr>
+              <a:t>Input</a:t>
+            </a:r>
+            <a:r>
+              <a:rPr lang="en-US">
+                <a:latin typeface="Calibri"/>
+                <a:ea typeface="MS PGothic" charset="0"/>
+                <a:cs typeface="Calibri"/>
+              </a:rPr>
+              <a:t>/</a:t>
+            </a:r>
+            <a:r>
+              <a:rPr lang="en-US" smtClean="0">
+                <a:latin typeface="Calibri"/>
+                <a:ea typeface="MS PGothic" charset="0"/>
+                <a:cs typeface="Calibri"/>
+              </a:rPr>
+              <a:t>output?</a:t>
+            </a:r>
+            <a:endParaRPr lang="en-US" dirty="0">
+              <a:latin typeface="Calibri"/>
+              <a:ea typeface="MS PGothic" charset="0"/>
+              <a:cs typeface="Calibri"/>
+            </a:endParaRPr>
+          </a:p>
+        </p:txBody>
+      </p:sp>
+    </p:spTree>
+    <p:extLst>
+      <p:ext uri="{BB962C8B-B14F-4D97-AF65-F5344CB8AC3E}">
+        <p14:creationId xmlns:p14="http://schemas.microsoft.com/office/powerpoint/2010/main" val="1860876642"/>
+      </p:ext>
+    </p:extLst>
+  </p:cSld>
+  <p:clrMapOvr>
+    <a:masterClrMapping/>
+  </p:clrMapOvr>
+  <p:transition xmlns:p14="http://schemas.microsoft.com/office/powerpoint/2010/main" spd="slow"/>
+  <p:timing>
+    <p:tnLst>
+      <p:par>
+        <p:cTn xmlns:p14="http://schemas.microsoft.com/office/powerpoint/2010/main" id="1" dur="indefinite" restart="never" nodeType="tmRoot">
+          <p:childTnLst>
+            <p:seq concurrent="1" nextAc="seek">
+              <p:cTn id="2" dur="indefinite" nodeType="mainSeq">
+                <p:childTnLst>
+                  <p:par>
+                    <p:cTn id="3" fill="hold" nodeType="clickPar">
+                      <p:stCondLst>
+                        <p:cond delay="indefinite"/>
+                      </p:stCondLst>
+                      <p:childTnLst>
+                        <p:par>
+                          <p:cTn id="4" fill="hold" nodeType="withGroup">
+                            <p:stCondLst>
+                              <p:cond delay="0"/>
+                            </p:stCondLst>
+                            <p:childTnLst>
+                              <p:par>
+                                <p:cTn id="5" presetID="22" presetClass="entr" presetSubtype="8" fill="hold" grpId="0" nodeType="clickEffect">
+                                  <p:stCondLst>
+                                    <p:cond delay="0"/>
+                                  </p:stCondLst>
+                                  <p:childTnLst>
+                                    <p:set>
+                                      <p:cBhvr>
+                                        <p:cTn id="6" dur="1" fill="hold">
+                                          <p:stCondLst>
+                                            <p:cond delay="0"/>
+                                          </p:stCondLst>
+                                        </p:cTn>
+                                        <p:tgtEl>
+                                          <p:spTgt spid="3">
+                                            <p:txEl>
+                                              <p:pRg st="0" end="0"/>
+                                            </p:txEl>
+                                          </p:spTgt>
+                                        </p:tgtEl>
+                                        <p:attrNameLst>
+                                          <p:attrName>style.visibility</p:attrName>
+                                        </p:attrNameLst>
+                                      </p:cBhvr>
+                                      <p:to>
+                                        <p:strVal val="visible"/>
+                                      </p:to>
+                                    </p:set>
+                                    <p:animEffect transition="in" filter="wipe(left)">
+                                      <p:cBhvr>
+                                        <p:cTn id="7" dur="500"/>
+                                        <p:tgtEl>
+                                          <p:spTgt spid="3">
+                                            <p:txEl>
+                                              <p:pRg st="0" end="0"/>
+                                            </p:txEl>
+                                          </p:spTgt>
+                                        </p:tgtEl>
+                                      </p:cBhvr>
+                                    </p:animEffect>
+                                  </p:childTnLst>
+                                </p:cTn>
+                              </p:par>
+                            </p:childTnLst>
+                          </p:cTn>
+                        </p:par>
+                      </p:childTnLst>
+                    </p:cTn>
+                  </p:par>
+                  <p:par>
+                    <p:cTn id="8" fill="hold" nodeType="clickPar">
+                      <p:stCondLst>
+                        <p:cond delay="indefinite"/>
+                      </p:stCondLst>
+                      <p:childTnLst>
+                        <p:par>
+                          <p:cTn id="9" fill="hold" nodeType="withGroup">
+                            <p:stCondLst>
+                              <p:cond delay="0"/>
+                            </p:stCondLst>
+                            <p:childTnLst>
+                              <p:par>
+                                <p:cTn id="10" presetID="22" presetClass="entr" presetSubtype="8" fill="hold" grpId="0" nodeType="clickEffect">
+                                  <p:stCondLst>
+                                    <p:cond delay="0"/>
+                                  </p:stCondLst>
+                                  <p:childTnLst>
+                                    <p:set>
+                                      <p:cBhvr>
+                                        <p:cTn id="11" dur="1" fill="hold">
+                                          <p:stCondLst>
+                                            <p:cond delay="0"/>
+                                          </p:stCondLst>
+                                        </p:cTn>
+                                        <p:tgtEl>
+                                          <p:spTgt spid="3">
+                                            <p:txEl>
+                                              <p:pRg st="1" end="1"/>
+                                            </p:txEl>
+                                          </p:spTgt>
+                                        </p:tgtEl>
+                                        <p:attrNameLst>
+                                          <p:attrName>style.visibility</p:attrName>
+                                        </p:attrNameLst>
+                                      </p:cBhvr>
+                                      <p:to>
+                                        <p:strVal val="visible"/>
+                                      </p:to>
+                                    </p:set>
+                                    <p:animEffect transition="in" filter="wipe(left)">
+                                      <p:cBhvr>
+                                        <p:cTn id="12" dur="500"/>
+                                        <p:tgtEl>
+                                          <p:spTgt spid="3">
+                                            <p:txEl>
+                                              <p:pRg st="1" end="1"/>
+                                            </p:txEl>
+                                          </p:spTgt>
+                                        </p:tgtEl>
+                                      </p:cBhvr>
+                                    </p:animEffect>
+                                  </p:childTnLst>
+                                </p:cTn>
+                              </p:par>
+                            </p:childTnLst>
+                          </p:cTn>
+                        </p:par>
+                      </p:childTnLst>
+                    </p:cTn>
+                  </p:par>
+                  <p:par>
+                    <p:cTn id="13" fill="hold" nodeType="clickPar">
+                      <p:stCondLst>
+                        <p:cond delay="indefinite"/>
+                      </p:stCondLst>
+                      <p:childTnLst>
+                        <p:par>
+                          <p:cTn id="14" fill="hold" nodeType="withGroup">
+                            <p:stCondLst>
+                              <p:cond delay="0"/>
+                            </p:stCondLst>
+                            <p:childTnLst>
+                              <p:par>
+                                <p:cTn id="15" presetID="22" presetClass="entr" presetSubtype="8" fill="hold" grpId="0" nodeType="clickEffect">
+                                  <p:stCondLst>
+                                    <p:cond delay="0"/>
+                                  </p:stCondLst>
+                                  <p:childTnLst>
+                                    <p:set>
+                                      <p:cBhvr>
+                                        <p:cTn id="16" dur="1" fill="hold">
+                                          <p:stCondLst>
+                                            <p:cond delay="0"/>
+                                          </p:stCondLst>
+                                        </p:cTn>
+                                        <p:tgtEl>
+                                          <p:spTgt spid="3">
+                                            <p:txEl>
+                                              <p:pRg st="2" end="2"/>
+                                            </p:txEl>
+                                          </p:spTgt>
+                                        </p:tgtEl>
+                                        <p:attrNameLst>
+                                          <p:attrName>style.visibility</p:attrName>
+                                        </p:attrNameLst>
+                                      </p:cBhvr>
+                                      <p:to>
+                                        <p:strVal val="visible"/>
+                                      </p:to>
+                                    </p:set>
+                                    <p:animEffect transition="in" filter="wipe(left)">
+                                      <p:cBhvr>
+                                        <p:cTn id="17" dur="500"/>
+                                        <p:tgtEl>
+                                          <p:spTgt spid="3">
+                                            <p:txEl>
+                                              <p:pRg st="2" end="2"/>
+                                            </p:txEl>
+                                          </p:spTgt>
+                                        </p:tgtEl>
+                                      </p:cBhvr>
+                                    </p:animEffect>
+                                  </p:childTnLst>
+                                </p:cTn>
+                              </p:par>
+                            </p:childTnLst>
+                          </p:cTn>
+                        </p:par>
+                      </p:childTnLst>
+                    </p:cTn>
+                  </p:par>
+                  <p:par>
+                    <p:cTn id="18" fill="hold" nodeType="clickPar">
+                      <p:stCondLst>
+                        <p:cond delay="indefinite"/>
+                      </p:stCondLst>
+                      <p:childTnLst>
+                        <p:par>
+                          <p:cTn id="19" fill="hold" nodeType="withGroup">
+                            <p:stCondLst>
+                              <p:cond delay="0"/>
+                            </p:stCondLst>
+                            <p:childTnLst>
+                              <p:par>
+                                <p:cTn id="20" presetID="22" presetClass="entr" presetSubtype="8" fill="hold" grpId="0" nodeType="clickEffect">
+                                  <p:stCondLst>
+                                    <p:cond delay="0"/>
+                                  </p:stCondLst>
+                                  <p:childTnLst>
+                                    <p:set>
+                                      <p:cBhvr>
+                                        <p:cTn id="21" dur="1" fill="hold">
+                                          <p:stCondLst>
+                                            <p:cond delay="0"/>
+                                          </p:stCondLst>
+                                        </p:cTn>
+                                        <p:tgtEl>
+                                          <p:spTgt spid="3">
+                                            <p:txEl>
+                                              <p:pRg st="3" end="3"/>
+                                            </p:txEl>
+                                          </p:spTgt>
+                                        </p:tgtEl>
+                                        <p:attrNameLst>
+                                          <p:attrName>style.visibility</p:attrName>
+                                        </p:attrNameLst>
+                                      </p:cBhvr>
+                                      <p:to>
+                                        <p:strVal val="visible"/>
+                                      </p:to>
+                                    </p:set>
+                                    <p:animEffect transition="in" filter="wipe(left)">
+                                      <p:cBhvr>
+                                        <p:cTn id="22" dur="500"/>
+                                        <p:tgtEl>
+                                          <p:spTgt spid="3">
+                                            <p:txEl>
+                                              <p:pRg st="3" end="3"/>
                                             </p:txEl>
                                           </p:spTgt>
                                         </p:tgtEl>
